--- a/pp/r,fpv,.pptx
+++ b/pp/r,fpv,.pptx
@@ -5,10 +5,14 @@
     <p:sldMasterId id="2147483648" r:id="rId1"/>
   </p:sldMasterIdLst>
   <p:sldIdLst>
-    <p:sldId id="256" r:id="rId2"/>
-    <p:sldId id="258" r:id="rId3"/>
-    <p:sldId id="257" r:id="rId4"/>
-    <p:sldId id="259" r:id="rId5"/>
+    <p:sldId id="260" r:id="rId2"/>
+    <p:sldId id="262" r:id="rId3"/>
+    <p:sldId id="263" r:id="rId4"/>
+    <p:sldId id="256" r:id="rId5"/>
+    <p:sldId id="261" r:id="rId6"/>
+    <p:sldId id="258" r:id="rId7"/>
+    <p:sldId id="257" r:id="rId8"/>
+    <p:sldId id="259" r:id="rId9"/>
   </p:sldIdLst>
   <p:sldSz cx="12192000" cy="6858000"/>
   <p:notesSz cx="6858000" cy="9144000"/>
@@ -107,6 +111,11 @@
       </a:defRPr>
     </a:lvl9pPr>
   </p:defaultTextStyle>
+  <p:extLst>
+    <p:ext uri="{EFAFB233-063F-42B5-8137-9DF3F51BA10A}">
+      <p15:sldGuideLst xmlns:p15="http://schemas.microsoft.com/office/powerpoint/2012/main"/>
+    </p:ext>
+  </p:extLst>
 </p:presentation>
 </file>
 
@@ -241,7 +250,7 @@
           <a:p>
             <a:fld id="{28EB3CCE-94A6-4FB5-8B3A-33727F88C99F}" type="datetimeFigureOut">
               <a:rPr lang="ko-KR" altLang="en-US" smtClean="0"/>
-              <a:t>2021-11-02</a:t>
+              <a:t>2021-11-03</a:t>
             </a:fld>
             <a:endParaRPr lang="ko-KR" altLang="en-US"/>
           </a:p>
@@ -411,7 +420,7 @@
           <a:p>
             <a:fld id="{28EB3CCE-94A6-4FB5-8B3A-33727F88C99F}" type="datetimeFigureOut">
               <a:rPr lang="ko-KR" altLang="en-US" smtClean="0"/>
-              <a:t>2021-11-02</a:t>
+              <a:t>2021-11-03</a:t>
             </a:fld>
             <a:endParaRPr lang="ko-KR" altLang="en-US"/>
           </a:p>
@@ -591,7 +600,7 @@
           <a:p>
             <a:fld id="{28EB3CCE-94A6-4FB5-8B3A-33727F88C99F}" type="datetimeFigureOut">
               <a:rPr lang="ko-KR" altLang="en-US" smtClean="0"/>
-              <a:t>2021-11-02</a:t>
+              <a:t>2021-11-03</a:t>
             </a:fld>
             <a:endParaRPr lang="ko-KR" altLang="en-US"/>
           </a:p>
@@ -761,7 +770,7 @@
           <a:p>
             <a:fld id="{28EB3CCE-94A6-4FB5-8B3A-33727F88C99F}" type="datetimeFigureOut">
               <a:rPr lang="ko-KR" altLang="en-US" smtClean="0"/>
-              <a:t>2021-11-02</a:t>
+              <a:t>2021-11-03</a:t>
             </a:fld>
             <a:endParaRPr lang="ko-KR" altLang="en-US"/>
           </a:p>
@@ -1007,7 +1016,7 @@
           <a:p>
             <a:fld id="{28EB3CCE-94A6-4FB5-8B3A-33727F88C99F}" type="datetimeFigureOut">
               <a:rPr lang="ko-KR" altLang="en-US" smtClean="0"/>
-              <a:t>2021-11-02</a:t>
+              <a:t>2021-11-03</a:t>
             </a:fld>
             <a:endParaRPr lang="ko-KR" altLang="en-US"/>
           </a:p>
@@ -1239,7 +1248,7 @@
           <a:p>
             <a:fld id="{28EB3CCE-94A6-4FB5-8B3A-33727F88C99F}" type="datetimeFigureOut">
               <a:rPr lang="ko-KR" altLang="en-US" smtClean="0"/>
-              <a:t>2021-11-02</a:t>
+              <a:t>2021-11-03</a:t>
             </a:fld>
             <a:endParaRPr lang="ko-KR" altLang="en-US"/>
           </a:p>
@@ -1606,7 +1615,7 @@
           <a:p>
             <a:fld id="{28EB3CCE-94A6-4FB5-8B3A-33727F88C99F}" type="datetimeFigureOut">
               <a:rPr lang="ko-KR" altLang="en-US" smtClean="0"/>
-              <a:t>2021-11-02</a:t>
+              <a:t>2021-11-03</a:t>
             </a:fld>
             <a:endParaRPr lang="ko-KR" altLang="en-US"/>
           </a:p>
@@ -1724,7 +1733,7 @@
           <a:p>
             <a:fld id="{28EB3CCE-94A6-4FB5-8B3A-33727F88C99F}" type="datetimeFigureOut">
               <a:rPr lang="ko-KR" altLang="en-US" smtClean="0"/>
-              <a:t>2021-11-02</a:t>
+              <a:t>2021-11-03</a:t>
             </a:fld>
             <a:endParaRPr lang="ko-KR" altLang="en-US"/>
           </a:p>
@@ -1819,7 +1828,7 @@
           <a:p>
             <a:fld id="{28EB3CCE-94A6-4FB5-8B3A-33727F88C99F}" type="datetimeFigureOut">
               <a:rPr lang="ko-KR" altLang="en-US" smtClean="0"/>
-              <a:t>2021-11-02</a:t>
+              <a:t>2021-11-03</a:t>
             </a:fld>
             <a:endParaRPr lang="ko-KR" altLang="en-US"/>
           </a:p>
@@ -2096,7 +2105,7 @@
           <a:p>
             <a:fld id="{28EB3CCE-94A6-4FB5-8B3A-33727F88C99F}" type="datetimeFigureOut">
               <a:rPr lang="ko-KR" altLang="en-US" smtClean="0"/>
-              <a:t>2021-11-02</a:t>
+              <a:t>2021-11-03</a:t>
             </a:fld>
             <a:endParaRPr lang="ko-KR" altLang="en-US"/>
           </a:p>
@@ -2349,7 +2358,7 @@
           <a:p>
             <a:fld id="{28EB3CCE-94A6-4FB5-8B3A-33727F88C99F}" type="datetimeFigureOut">
               <a:rPr lang="ko-KR" altLang="en-US" smtClean="0"/>
-              <a:t>2021-11-02</a:t>
+              <a:t>2021-11-03</a:t>
             </a:fld>
             <a:endParaRPr lang="ko-KR" altLang="en-US"/>
           </a:p>
@@ -2562,7 +2571,7 @@
           <a:p>
             <a:fld id="{28EB3CCE-94A6-4FB5-8B3A-33727F88C99F}" type="datetimeFigureOut">
               <a:rPr lang="ko-KR" altLang="en-US" smtClean="0"/>
-              <a:t>2021-11-02</a:t>
+              <a:t>2021-11-03</a:t>
             </a:fld>
             <a:endParaRPr lang="ko-KR" altLang="en-US"/>
           </a:p>
@@ -2951,6 +2960,1535 @@
 </file>
 
 <file path=ppt/slides/slide1.xml><?xml version="1.0" encoding="utf-8"?>
+<p:sld xmlns:a="http://schemas.openxmlformats.org/drawingml/2006/main" xmlns:r="http://schemas.openxmlformats.org/officeDocument/2006/relationships" xmlns:p="http://schemas.openxmlformats.org/presentationml/2006/main">
+  <p:cSld>
+    <p:spTree>
+      <p:nvGrpSpPr>
+        <p:cNvPr id="1" name=""/>
+        <p:cNvGrpSpPr/>
+        <p:nvPr/>
+      </p:nvGrpSpPr>
+      <p:grpSpPr>
+        <a:xfrm>
+          <a:off x="0" y="0"/>
+          <a:ext cx="0" cy="0"/>
+          <a:chOff x="0" y="0"/>
+          <a:chExt cx="0" cy="0"/>
+        </a:xfrm>
+      </p:grpSpPr>
+      <p:graphicFrame>
+        <p:nvGraphicFramePr>
+          <p:cNvPr id="4" name="표 3"/>
+          <p:cNvGraphicFramePr>
+            <a:graphicFrameLocks noGrp="1"/>
+          </p:cNvGraphicFramePr>
+          <p:nvPr>
+            <p:extLst>
+              <p:ext uri="{D42A27DB-BD31-4B8C-83A1-F6EECF244321}">
+                <p14:modId xmlns:p14="http://schemas.microsoft.com/office/powerpoint/2010/main" val="1143249445"/>
+              </p:ext>
+            </p:extLst>
+          </p:nvPr>
+        </p:nvGraphicFramePr>
+        <p:xfrm>
+          <a:off x="2256580" y="3390943"/>
+          <a:ext cx="8127999" cy="741680"/>
+        </p:xfrm>
+        <a:graphic>
+          <a:graphicData uri="http://schemas.openxmlformats.org/drawingml/2006/table">
+            <a:tbl>
+              <a:tblPr firstRow="1" bandRow="1">
+                <a:tableStyleId>{5C22544A-7EE6-4342-B048-85BDC9FD1C3A}</a:tableStyleId>
+              </a:tblPr>
+              <a:tblGrid>
+                <a:gridCol w="903111">
+                  <a:extLst>
+                    <a:ext uri="{9D8B030D-6E8A-4147-A177-3AD203B41FA5}">
+                      <a16:colId xmlns:a16="http://schemas.microsoft.com/office/drawing/2014/main" val="1847772735"/>
+                    </a:ext>
+                  </a:extLst>
+                </a:gridCol>
+                <a:gridCol w="903111">
+                  <a:extLst>
+                    <a:ext uri="{9D8B030D-6E8A-4147-A177-3AD203B41FA5}">
+                      <a16:colId xmlns:a16="http://schemas.microsoft.com/office/drawing/2014/main" val="2235280598"/>
+                    </a:ext>
+                  </a:extLst>
+                </a:gridCol>
+                <a:gridCol w="903111">
+                  <a:extLst>
+                    <a:ext uri="{9D8B030D-6E8A-4147-A177-3AD203B41FA5}">
+                      <a16:colId xmlns:a16="http://schemas.microsoft.com/office/drawing/2014/main" val="1407378203"/>
+                    </a:ext>
+                  </a:extLst>
+                </a:gridCol>
+                <a:gridCol w="903111">
+                  <a:extLst>
+                    <a:ext uri="{9D8B030D-6E8A-4147-A177-3AD203B41FA5}">
+                      <a16:colId xmlns:a16="http://schemas.microsoft.com/office/drawing/2014/main" val="3048017605"/>
+                    </a:ext>
+                  </a:extLst>
+                </a:gridCol>
+                <a:gridCol w="903111">
+                  <a:extLst>
+                    <a:ext uri="{9D8B030D-6E8A-4147-A177-3AD203B41FA5}">
+                      <a16:colId xmlns:a16="http://schemas.microsoft.com/office/drawing/2014/main" val="333287174"/>
+                    </a:ext>
+                  </a:extLst>
+                </a:gridCol>
+                <a:gridCol w="903111">
+                  <a:extLst>
+                    <a:ext uri="{9D8B030D-6E8A-4147-A177-3AD203B41FA5}">
+                      <a16:colId xmlns:a16="http://schemas.microsoft.com/office/drawing/2014/main" val="1379259200"/>
+                    </a:ext>
+                  </a:extLst>
+                </a:gridCol>
+                <a:gridCol w="903111">
+                  <a:extLst>
+                    <a:ext uri="{9D8B030D-6E8A-4147-A177-3AD203B41FA5}">
+                      <a16:colId xmlns:a16="http://schemas.microsoft.com/office/drawing/2014/main" val="1308369522"/>
+                    </a:ext>
+                  </a:extLst>
+                </a:gridCol>
+                <a:gridCol w="903111">
+                  <a:extLst>
+                    <a:ext uri="{9D8B030D-6E8A-4147-A177-3AD203B41FA5}">
+                      <a16:colId xmlns:a16="http://schemas.microsoft.com/office/drawing/2014/main" val="2939565728"/>
+                    </a:ext>
+                  </a:extLst>
+                </a:gridCol>
+                <a:gridCol w="903111">
+                  <a:extLst>
+                    <a:ext uri="{9D8B030D-6E8A-4147-A177-3AD203B41FA5}">
+                      <a16:colId xmlns:a16="http://schemas.microsoft.com/office/drawing/2014/main" val="972730166"/>
+                    </a:ext>
+                  </a:extLst>
+                </a:gridCol>
+              </a:tblGrid>
+              <a:tr h="370840">
+                <a:tc>
+                  <a:txBody>
+                    <a:bodyPr/>
+                    <a:lstStyle/>
+                    <a:p>
+                      <a:pPr latinLnBrk="1"/>
+                      <a:r>
+                        <a:rPr lang="en-US" altLang="ko-KR" dirty="0" smtClean="0"/>
+                        <a:t>0</a:t>
+                      </a:r>
+                      <a:endParaRPr lang="ko-KR" altLang="en-US" dirty="0"/>
+                    </a:p>
+                  </a:txBody>
+                  <a:tcPr/>
+                </a:tc>
+                <a:tc>
+                  <a:txBody>
+                    <a:bodyPr/>
+                    <a:lstStyle/>
+                    <a:p>
+                      <a:pPr latinLnBrk="1"/>
+                      <a:r>
+                        <a:rPr lang="en-US" altLang="ko-KR" dirty="0" smtClean="0"/>
+                        <a:t>1</a:t>
+                      </a:r>
+                      <a:endParaRPr lang="ko-KR" altLang="en-US" dirty="0"/>
+                    </a:p>
+                  </a:txBody>
+                  <a:tcPr/>
+                </a:tc>
+                <a:tc>
+                  <a:txBody>
+                    <a:bodyPr/>
+                    <a:lstStyle/>
+                    <a:p>
+                      <a:pPr latinLnBrk="1"/>
+                      <a:r>
+                        <a:rPr lang="en-US" altLang="ko-KR" dirty="0" smtClean="0"/>
+                        <a:t>2</a:t>
+                      </a:r>
+                      <a:endParaRPr lang="ko-KR" altLang="en-US" dirty="0"/>
+                    </a:p>
+                  </a:txBody>
+                  <a:tcPr/>
+                </a:tc>
+                <a:tc>
+                  <a:txBody>
+                    <a:bodyPr/>
+                    <a:lstStyle/>
+                    <a:p>
+                      <a:pPr latinLnBrk="1"/>
+                      <a:r>
+                        <a:rPr lang="en-US" altLang="ko-KR" dirty="0" smtClean="0"/>
+                        <a:t>3</a:t>
+                      </a:r>
+                      <a:endParaRPr lang="ko-KR" altLang="en-US" dirty="0"/>
+                    </a:p>
+                  </a:txBody>
+                  <a:tcPr/>
+                </a:tc>
+                <a:tc>
+                  <a:txBody>
+                    <a:bodyPr/>
+                    <a:lstStyle/>
+                    <a:p>
+                      <a:pPr latinLnBrk="1"/>
+                      <a:r>
+                        <a:rPr lang="en-US" altLang="ko-KR" dirty="0" smtClean="0"/>
+                        <a:t>4</a:t>
+                      </a:r>
+                      <a:endParaRPr lang="ko-KR" altLang="en-US" dirty="0"/>
+                    </a:p>
+                  </a:txBody>
+                  <a:tcPr/>
+                </a:tc>
+                <a:tc>
+                  <a:txBody>
+                    <a:bodyPr/>
+                    <a:lstStyle/>
+                    <a:p>
+                      <a:pPr latinLnBrk="1"/>
+                      <a:r>
+                        <a:rPr lang="en-US" altLang="ko-KR" dirty="0" smtClean="0"/>
+                        <a:t>5</a:t>
+                      </a:r>
+                      <a:endParaRPr lang="ko-KR" altLang="en-US" dirty="0"/>
+                    </a:p>
+                  </a:txBody>
+                  <a:tcPr/>
+                </a:tc>
+                <a:tc>
+                  <a:txBody>
+                    <a:bodyPr/>
+                    <a:lstStyle/>
+                    <a:p>
+                      <a:pPr latinLnBrk="1"/>
+                      <a:r>
+                        <a:rPr lang="en-US" altLang="ko-KR" dirty="0" smtClean="0"/>
+                        <a:t>6</a:t>
+                      </a:r>
+                      <a:endParaRPr lang="ko-KR" altLang="en-US" dirty="0"/>
+                    </a:p>
+                  </a:txBody>
+                  <a:tcPr/>
+                </a:tc>
+                <a:tc>
+                  <a:txBody>
+                    <a:bodyPr/>
+                    <a:lstStyle/>
+                    <a:p>
+                      <a:pPr latinLnBrk="1"/>
+                      <a:r>
+                        <a:rPr lang="en-US" altLang="ko-KR" dirty="0" smtClean="0"/>
+                        <a:t>7</a:t>
+                      </a:r>
+                      <a:endParaRPr lang="ko-KR" altLang="en-US" dirty="0"/>
+                    </a:p>
+                  </a:txBody>
+                  <a:tcPr/>
+                </a:tc>
+                <a:tc>
+                  <a:txBody>
+                    <a:bodyPr/>
+                    <a:lstStyle/>
+                    <a:p>
+                      <a:pPr latinLnBrk="1"/>
+                      <a:r>
+                        <a:rPr lang="en-US" altLang="ko-KR" dirty="0" smtClean="0"/>
+                        <a:t>8</a:t>
+                      </a:r>
+                      <a:endParaRPr lang="ko-KR" altLang="en-US" dirty="0"/>
+                    </a:p>
+                  </a:txBody>
+                  <a:tcPr/>
+                </a:tc>
+                <a:extLst>
+                  <a:ext uri="{0D108BD9-81ED-4DB2-BD59-A6C34878D82A}">
+                    <a16:rowId xmlns:a16="http://schemas.microsoft.com/office/drawing/2014/main" val="1635806134"/>
+                  </a:ext>
+                </a:extLst>
+              </a:tr>
+              <a:tr h="370840">
+                <a:tc>
+                  <a:txBody>
+                    <a:bodyPr/>
+                    <a:lstStyle/>
+                    <a:p>
+                      <a:pPr latinLnBrk="1"/>
+                      <a:r>
+                        <a:rPr lang="en-US" altLang="ko-KR" dirty="0" smtClean="0"/>
+                        <a:t>5</a:t>
+                      </a:r>
+                      <a:endParaRPr lang="ko-KR" altLang="en-US" dirty="0"/>
+                    </a:p>
+                  </a:txBody>
+                  <a:tcPr/>
+                </a:tc>
+                <a:tc>
+                  <a:txBody>
+                    <a:bodyPr/>
+                    <a:lstStyle/>
+                    <a:p>
+                      <a:pPr latinLnBrk="1"/>
+                      <a:r>
+                        <a:rPr lang="en-US" altLang="ko-KR" dirty="0" smtClean="0"/>
+                        <a:t>12</a:t>
+                      </a:r>
+                      <a:endParaRPr lang="ko-KR" altLang="en-US" dirty="0"/>
+                    </a:p>
+                  </a:txBody>
+                  <a:tcPr/>
+                </a:tc>
+                <a:tc>
+                  <a:txBody>
+                    <a:bodyPr/>
+                    <a:lstStyle/>
+                    <a:p>
+                      <a:pPr latinLnBrk="1"/>
+                      <a:r>
+                        <a:rPr lang="en-US" altLang="ko-KR" dirty="0" smtClean="0"/>
+                        <a:t>7</a:t>
+                      </a:r>
+                      <a:endParaRPr lang="ko-KR" altLang="en-US" dirty="0"/>
+                    </a:p>
+                  </a:txBody>
+                  <a:tcPr/>
+                </a:tc>
+                <a:tc>
+                  <a:txBody>
+                    <a:bodyPr/>
+                    <a:lstStyle/>
+                    <a:p>
+                      <a:pPr latinLnBrk="1"/>
+                      <a:r>
+                        <a:rPr lang="en-US" altLang="ko-KR" dirty="0" smtClean="0"/>
+                        <a:t>10</a:t>
+                      </a:r>
+                      <a:endParaRPr lang="ko-KR" altLang="en-US" dirty="0"/>
+                    </a:p>
+                  </a:txBody>
+                  <a:tcPr/>
+                </a:tc>
+                <a:tc>
+                  <a:txBody>
+                    <a:bodyPr/>
+                    <a:lstStyle/>
+                    <a:p>
+                      <a:pPr latinLnBrk="1"/>
+                      <a:r>
+                        <a:rPr lang="en-US" altLang="ko-KR" dirty="0" smtClean="0"/>
+                        <a:t>9</a:t>
+                      </a:r>
+                      <a:endParaRPr lang="ko-KR" altLang="en-US" dirty="0"/>
+                    </a:p>
+                  </a:txBody>
+                  <a:tcPr/>
+                </a:tc>
+                <a:tc>
+                  <a:txBody>
+                    <a:bodyPr/>
+                    <a:lstStyle/>
+                    <a:p>
+                      <a:pPr latinLnBrk="1"/>
+                      <a:r>
+                        <a:rPr lang="en-US" altLang="ko-KR" dirty="0" smtClean="0"/>
+                        <a:t>1</a:t>
+                      </a:r>
+                      <a:endParaRPr lang="ko-KR" altLang="en-US" dirty="0"/>
+                    </a:p>
+                  </a:txBody>
+                  <a:tcPr/>
+                </a:tc>
+                <a:tc>
+                  <a:txBody>
+                    <a:bodyPr/>
+                    <a:lstStyle/>
+                    <a:p>
+                      <a:pPr latinLnBrk="1"/>
+                      <a:r>
+                        <a:rPr lang="en-US" altLang="ko-KR" dirty="0" smtClean="0"/>
+                        <a:t>2</a:t>
+                      </a:r>
+                      <a:endParaRPr lang="ko-KR" altLang="en-US" dirty="0"/>
+                    </a:p>
+                  </a:txBody>
+                  <a:tcPr/>
+                </a:tc>
+                <a:tc>
+                  <a:txBody>
+                    <a:bodyPr/>
+                    <a:lstStyle/>
+                    <a:p>
+                      <a:pPr latinLnBrk="1"/>
+                      <a:r>
+                        <a:rPr lang="en-US" altLang="ko-KR" dirty="0" smtClean="0"/>
+                        <a:t>3</a:t>
+                      </a:r>
+                      <a:endParaRPr lang="ko-KR" altLang="en-US" dirty="0"/>
+                    </a:p>
+                  </a:txBody>
+                  <a:tcPr/>
+                </a:tc>
+                <a:tc>
+                  <a:txBody>
+                    <a:bodyPr/>
+                    <a:lstStyle/>
+                    <a:p>
+                      <a:pPr latinLnBrk="1"/>
+                      <a:r>
+                        <a:rPr lang="en-US" altLang="ko-KR" dirty="0" smtClean="0"/>
+                        <a:t>11</a:t>
+                      </a:r>
+                      <a:endParaRPr lang="ko-KR" altLang="en-US" dirty="0"/>
+                    </a:p>
+                  </a:txBody>
+                  <a:tcPr/>
+                </a:tc>
+                <a:extLst>
+                  <a:ext uri="{0D108BD9-81ED-4DB2-BD59-A6C34878D82A}">
+                    <a16:rowId xmlns:a16="http://schemas.microsoft.com/office/drawing/2014/main" val="1660279622"/>
+                  </a:ext>
+                </a:extLst>
+              </a:tr>
+            </a:tbl>
+          </a:graphicData>
+        </a:graphic>
+      </p:graphicFrame>
+      <p:sp>
+        <p:nvSpPr>
+          <p:cNvPr id="5" name="TextBox 4"/>
+          <p:cNvSpPr txBox="1"/>
+          <p:nvPr/>
+        </p:nvSpPr>
+        <p:spPr>
+          <a:xfrm>
+            <a:off x="1501117" y="3761783"/>
+            <a:ext cx="1122630" cy="369332"/>
+          </a:xfrm>
+          <a:prstGeom prst="rect">
+            <a:avLst/>
+          </a:prstGeom>
+          <a:noFill/>
+        </p:spPr>
+        <p:txBody>
+          <a:bodyPr wrap="square" rtlCol="0">
+            <a:spAutoFit/>
+          </a:bodyPr>
+          <a:lstStyle/>
+          <a:p>
+            <a:r>
+              <a:rPr lang="en-US" altLang="ko-KR" dirty="0" err="1" smtClean="0"/>
+              <a:t>nums</a:t>
+            </a:r>
+            <a:endParaRPr lang="ko-KR" altLang="en-US" dirty="0"/>
+          </a:p>
+        </p:txBody>
+      </p:sp>
+      <p:grpSp>
+        <p:nvGrpSpPr>
+          <p:cNvPr id="6" name="그룹 5"/>
+          <p:cNvGrpSpPr/>
+          <p:nvPr/>
+        </p:nvGrpSpPr>
+        <p:grpSpPr>
+          <a:xfrm>
+            <a:off x="2484701" y="2257670"/>
+            <a:ext cx="998375" cy="945548"/>
+            <a:chOff x="4248847" y="1903236"/>
+            <a:chExt cx="998375" cy="945548"/>
+          </a:xfrm>
+        </p:grpSpPr>
+        <p:cxnSp>
+          <p:nvCxnSpPr>
+            <p:cNvPr id="7" name="직선 화살표 연결선 6"/>
+            <p:cNvCxnSpPr/>
+            <p:nvPr/>
+          </p:nvCxnSpPr>
+          <p:spPr>
+            <a:xfrm>
+              <a:off x="4516479" y="2350843"/>
+              <a:ext cx="0" cy="497941"/>
+            </a:xfrm>
+            <a:prstGeom prst="straightConnector1">
+              <a:avLst/>
+            </a:prstGeom>
+            <a:ln>
+              <a:solidFill>
+                <a:srgbClr val="FF0000"/>
+              </a:solidFill>
+              <a:tailEnd type="triangle"/>
+            </a:ln>
+          </p:spPr>
+          <p:style>
+            <a:lnRef idx="1">
+              <a:schemeClr val="accent1"/>
+            </a:lnRef>
+            <a:fillRef idx="0">
+              <a:schemeClr val="accent1"/>
+            </a:fillRef>
+            <a:effectRef idx="0">
+              <a:schemeClr val="accent1"/>
+            </a:effectRef>
+            <a:fontRef idx="minor">
+              <a:schemeClr val="tx1"/>
+            </a:fontRef>
+          </p:style>
+        </p:cxnSp>
+        <p:sp>
+          <p:nvSpPr>
+            <p:cNvPr id="8" name="TextBox 7"/>
+            <p:cNvSpPr txBox="1"/>
+            <p:nvPr/>
+          </p:nvSpPr>
+          <p:spPr>
+            <a:xfrm>
+              <a:off x="4248847" y="1903236"/>
+              <a:ext cx="998375" cy="369332"/>
+            </a:xfrm>
+            <a:prstGeom prst="rect">
+              <a:avLst/>
+            </a:prstGeom>
+            <a:noFill/>
+          </p:spPr>
+          <p:txBody>
+            <a:bodyPr wrap="square" rtlCol="0">
+              <a:spAutoFit/>
+            </a:bodyPr>
+            <a:lstStyle/>
+            <a:p>
+              <a:r>
+                <a:rPr lang="en-US" altLang="ko-KR" dirty="0" smtClean="0"/>
+                <a:t>left</a:t>
+              </a:r>
+              <a:endParaRPr lang="ko-KR" altLang="en-US" dirty="0"/>
+            </a:p>
+          </p:txBody>
+        </p:sp>
+      </p:grpSp>
+      <p:grpSp>
+        <p:nvGrpSpPr>
+          <p:cNvPr id="9" name="그룹 8"/>
+          <p:cNvGrpSpPr/>
+          <p:nvPr/>
+        </p:nvGrpSpPr>
+        <p:grpSpPr>
+          <a:xfrm>
+            <a:off x="3269389" y="2266185"/>
+            <a:ext cx="998375" cy="918739"/>
+            <a:chOff x="6068008" y="1898625"/>
+            <a:chExt cx="998375" cy="918739"/>
+          </a:xfrm>
+        </p:grpSpPr>
+        <p:cxnSp>
+          <p:nvCxnSpPr>
+            <p:cNvPr id="10" name="직선 화살표 연결선 9"/>
+            <p:cNvCxnSpPr/>
+            <p:nvPr/>
+          </p:nvCxnSpPr>
+          <p:spPr>
+            <a:xfrm>
+              <a:off x="6358551" y="2319423"/>
+              <a:ext cx="0" cy="497941"/>
+            </a:xfrm>
+            <a:prstGeom prst="straightConnector1">
+              <a:avLst/>
+            </a:prstGeom>
+            <a:ln>
+              <a:tailEnd type="triangle"/>
+            </a:ln>
+          </p:spPr>
+          <p:style>
+            <a:lnRef idx="1">
+              <a:schemeClr val="accent1"/>
+            </a:lnRef>
+            <a:fillRef idx="0">
+              <a:schemeClr val="accent1"/>
+            </a:fillRef>
+            <a:effectRef idx="0">
+              <a:schemeClr val="accent1"/>
+            </a:effectRef>
+            <a:fontRef idx="minor">
+              <a:schemeClr val="tx1"/>
+            </a:fontRef>
+          </p:style>
+        </p:cxnSp>
+        <p:sp>
+          <p:nvSpPr>
+            <p:cNvPr id="11" name="TextBox 10"/>
+            <p:cNvSpPr txBox="1"/>
+            <p:nvPr/>
+          </p:nvSpPr>
+          <p:spPr>
+            <a:xfrm>
+              <a:off x="6068008" y="1898625"/>
+              <a:ext cx="998375" cy="369332"/>
+            </a:xfrm>
+            <a:prstGeom prst="rect">
+              <a:avLst/>
+            </a:prstGeom>
+            <a:noFill/>
+          </p:spPr>
+          <p:txBody>
+            <a:bodyPr wrap="square" rtlCol="0">
+              <a:spAutoFit/>
+            </a:bodyPr>
+            <a:lstStyle/>
+            <a:p>
+              <a:r>
+                <a:rPr lang="en-US" altLang="ko-KR" dirty="0" smtClean="0"/>
+                <a:t>right</a:t>
+              </a:r>
+              <a:endParaRPr lang="ko-KR" altLang="en-US" dirty="0"/>
+            </a:p>
+          </p:txBody>
+        </p:sp>
+      </p:grpSp>
+    </p:spTree>
+    <p:extLst>
+      <p:ext uri="{BB962C8B-B14F-4D97-AF65-F5344CB8AC3E}">
+        <p14:creationId xmlns:p14="http://schemas.microsoft.com/office/powerpoint/2010/main" val="1884691201"/>
+      </p:ext>
+    </p:extLst>
+  </p:cSld>
+  <p:clrMapOvr>
+    <a:masterClrMapping/>
+  </p:clrMapOvr>
+  <p:timing>
+    <p:tnLst>
+      <p:par>
+        <p:cTn id="1" dur="indefinite" restart="never" nodeType="tmRoot"/>
+      </p:par>
+    </p:tnLst>
+  </p:timing>
+</p:sld>
+</file>
+
+<file path=ppt/slides/slide2.xml><?xml version="1.0" encoding="utf-8"?>
+<p:sld xmlns:a="http://schemas.openxmlformats.org/drawingml/2006/main" xmlns:r="http://schemas.openxmlformats.org/officeDocument/2006/relationships" xmlns:p="http://schemas.openxmlformats.org/presentationml/2006/main">
+  <p:cSld>
+    <p:spTree>
+      <p:nvGrpSpPr>
+        <p:cNvPr id="1" name=""/>
+        <p:cNvGrpSpPr/>
+        <p:nvPr/>
+      </p:nvGrpSpPr>
+      <p:grpSpPr>
+        <a:xfrm>
+          <a:off x="0" y="0"/>
+          <a:ext cx="0" cy="0"/>
+          <a:chOff x="0" y="0"/>
+          <a:chExt cx="0" cy="0"/>
+        </a:xfrm>
+      </p:grpSpPr>
+      <p:sp>
+        <p:nvSpPr>
+          <p:cNvPr id="2" name="제목 1"/>
+          <p:cNvSpPr>
+            <a:spLocks noGrp="1"/>
+          </p:cNvSpPr>
+          <p:nvPr>
+            <p:ph type="title"/>
+          </p:nvPr>
+        </p:nvSpPr>
+        <p:spPr/>
+        <p:txBody>
+          <a:bodyPr/>
+          <a:lstStyle/>
+          <a:p>
+            <a:endParaRPr lang="ko-KR" altLang="en-US"/>
+          </a:p>
+        </p:txBody>
+      </p:sp>
+      <p:sp>
+        <p:nvSpPr>
+          <p:cNvPr id="3" name="내용 개체 틀 2"/>
+          <p:cNvSpPr>
+            <a:spLocks noGrp="1"/>
+          </p:cNvSpPr>
+          <p:nvPr>
+            <p:ph idx="1"/>
+          </p:nvPr>
+        </p:nvSpPr>
+        <p:spPr/>
+        <p:txBody>
+          <a:bodyPr/>
+          <a:lstStyle/>
+          <a:p>
+            <a:endParaRPr lang="ko-KR" altLang="en-US"/>
+          </a:p>
+        </p:txBody>
+      </p:sp>
+    </p:spTree>
+    <p:extLst>
+      <p:ext uri="{BB962C8B-B14F-4D97-AF65-F5344CB8AC3E}">
+        <p14:creationId xmlns:p14="http://schemas.microsoft.com/office/powerpoint/2010/main" val="3997833865"/>
+      </p:ext>
+    </p:extLst>
+  </p:cSld>
+  <p:clrMapOvr>
+    <a:masterClrMapping/>
+  </p:clrMapOvr>
+  <p:timing>
+    <p:tnLst>
+      <p:par>
+        <p:cTn id="1" dur="indefinite" restart="never" nodeType="tmRoot"/>
+      </p:par>
+    </p:tnLst>
+  </p:timing>
+</p:sld>
+</file>
+
+<file path=ppt/slides/slide3.xml><?xml version="1.0" encoding="utf-8"?>
+<p:sld xmlns:a="http://schemas.openxmlformats.org/drawingml/2006/main" xmlns:r="http://schemas.openxmlformats.org/officeDocument/2006/relationships" xmlns:p="http://schemas.openxmlformats.org/presentationml/2006/main">
+  <p:cSld>
+    <p:spTree>
+      <p:nvGrpSpPr>
+        <p:cNvPr id="1" name=""/>
+        <p:cNvGrpSpPr/>
+        <p:nvPr/>
+      </p:nvGrpSpPr>
+      <p:grpSpPr>
+        <a:xfrm>
+          <a:off x="0" y="0"/>
+          <a:ext cx="0" cy="0"/>
+          <a:chOff x="0" y="0"/>
+          <a:chExt cx="0" cy="0"/>
+        </a:xfrm>
+      </p:grpSpPr>
+      <p:graphicFrame>
+        <p:nvGraphicFramePr>
+          <p:cNvPr id="4" name="표 3"/>
+          <p:cNvGraphicFramePr>
+            <a:graphicFrameLocks noGrp="1"/>
+          </p:cNvGraphicFramePr>
+          <p:nvPr>
+            <p:extLst>
+              <p:ext uri="{D42A27DB-BD31-4B8C-83A1-F6EECF244321}">
+                <p14:modId xmlns:p14="http://schemas.microsoft.com/office/powerpoint/2010/main" val="3553283713"/>
+              </p:ext>
+            </p:extLst>
+          </p:nvPr>
+        </p:nvGraphicFramePr>
+        <p:xfrm>
+          <a:off x="2238107" y="4186809"/>
+          <a:ext cx="8127999" cy="741680"/>
+        </p:xfrm>
+        <a:graphic>
+          <a:graphicData uri="http://schemas.openxmlformats.org/drawingml/2006/table">
+            <a:tbl>
+              <a:tblPr firstRow="1" bandRow="1">
+                <a:tableStyleId>{5C22544A-7EE6-4342-B048-85BDC9FD1C3A}</a:tableStyleId>
+              </a:tblPr>
+              <a:tblGrid>
+                <a:gridCol w="903111">
+                  <a:extLst>
+                    <a:ext uri="{9D8B030D-6E8A-4147-A177-3AD203B41FA5}">
+                      <a16:colId xmlns:a16="http://schemas.microsoft.com/office/drawing/2014/main" val="1847772735"/>
+                    </a:ext>
+                  </a:extLst>
+                </a:gridCol>
+                <a:gridCol w="903111">
+                  <a:extLst>
+                    <a:ext uri="{9D8B030D-6E8A-4147-A177-3AD203B41FA5}">
+                      <a16:colId xmlns:a16="http://schemas.microsoft.com/office/drawing/2014/main" val="2235280598"/>
+                    </a:ext>
+                  </a:extLst>
+                </a:gridCol>
+                <a:gridCol w="903111">
+                  <a:extLst>
+                    <a:ext uri="{9D8B030D-6E8A-4147-A177-3AD203B41FA5}">
+                      <a16:colId xmlns:a16="http://schemas.microsoft.com/office/drawing/2014/main" val="1407378203"/>
+                    </a:ext>
+                  </a:extLst>
+                </a:gridCol>
+                <a:gridCol w="903111">
+                  <a:extLst>
+                    <a:ext uri="{9D8B030D-6E8A-4147-A177-3AD203B41FA5}">
+                      <a16:colId xmlns:a16="http://schemas.microsoft.com/office/drawing/2014/main" val="3048017605"/>
+                    </a:ext>
+                  </a:extLst>
+                </a:gridCol>
+                <a:gridCol w="903111">
+                  <a:extLst>
+                    <a:ext uri="{9D8B030D-6E8A-4147-A177-3AD203B41FA5}">
+                      <a16:colId xmlns:a16="http://schemas.microsoft.com/office/drawing/2014/main" val="333287174"/>
+                    </a:ext>
+                  </a:extLst>
+                </a:gridCol>
+                <a:gridCol w="903111">
+                  <a:extLst>
+                    <a:ext uri="{9D8B030D-6E8A-4147-A177-3AD203B41FA5}">
+                      <a16:colId xmlns:a16="http://schemas.microsoft.com/office/drawing/2014/main" val="1379259200"/>
+                    </a:ext>
+                  </a:extLst>
+                </a:gridCol>
+                <a:gridCol w="903111">
+                  <a:extLst>
+                    <a:ext uri="{9D8B030D-6E8A-4147-A177-3AD203B41FA5}">
+                      <a16:colId xmlns:a16="http://schemas.microsoft.com/office/drawing/2014/main" val="1308369522"/>
+                    </a:ext>
+                  </a:extLst>
+                </a:gridCol>
+                <a:gridCol w="903111">
+                  <a:extLst>
+                    <a:ext uri="{9D8B030D-6E8A-4147-A177-3AD203B41FA5}">
+                      <a16:colId xmlns:a16="http://schemas.microsoft.com/office/drawing/2014/main" val="2939565728"/>
+                    </a:ext>
+                  </a:extLst>
+                </a:gridCol>
+                <a:gridCol w="903111">
+                  <a:extLst>
+                    <a:ext uri="{9D8B030D-6E8A-4147-A177-3AD203B41FA5}">
+                      <a16:colId xmlns:a16="http://schemas.microsoft.com/office/drawing/2014/main" val="972730166"/>
+                    </a:ext>
+                  </a:extLst>
+                </a:gridCol>
+              </a:tblGrid>
+              <a:tr h="370840">
+                <a:tc>
+                  <a:txBody>
+                    <a:bodyPr/>
+                    <a:lstStyle/>
+                    <a:p>
+                      <a:pPr latinLnBrk="1"/>
+                      <a:r>
+                        <a:rPr lang="en-US" altLang="ko-KR" dirty="0" smtClean="0"/>
+                        <a:t>0</a:t>
+                      </a:r>
+                      <a:endParaRPr lang="ko-KR" altLang="en-US" dirty="0"/>
+                    </a:p>
+                  </a:txBody>
+                  <a:tcPr/>
+                </a:tc>
+                <a:tc>
+                  <a:txBody>
+                    <a:bodyPr/>
+                    <a:lstStyle/>
+                    <a:p>
+                      <a:pPr latinLnBrk="1"/>
+                      <a:r>
+                        <a:rPr lang="en-US" altLang="ko-KR" dirty="0" smtClean="0"/>
+                        <a:t>1</a:t>
+                      </a:r>
+                      <a:endParaRPr lang="ko-KR" altLang="en-US" dirty="0"/>
+                    </a:p>
+                  </a:txBody>
+                  <a:tcPr/>
+                </a:tc>
+                <a:tc>
+                  <a:txBody>
+                    <a:bodyPr/>
+                    <a:lstStyle/>
+                    <a:p>
+                      <a:pPr latinLnBrk="1"/>
+                      <a:r>
+                        <a:rPr lang="en-US" altLang="ko-KR" dirty="0" smtClean="0"/>
+                        <a:t>2</a:t>
+                      </a:r>
+                      <a:endParaRPr lang="ko-KR" altLang="en-US" dirty="0"/>
+                    </a:p>
+                  </a:txBody>
+                  <a:tcPr/>
+                </a:tc>
+                <a:tc>
+                  <a:txBody>
+                    <a:bodyPr/>
+                    <a:lstStyle/>
+                    <a:p>
+                      <a:pPr latinLnBrk="1"/>
+                      <a:r>
+                        <a:rPr lang="en-US" altLang="ko-KR" dirty="0" smtClean="0"/>
+                        <a:t>3</a:t>
+                      </a:r>
+                      <a:endParaRPr lang="ko-KR" altLang="en-US" dirty="0"/>
+                    </a:p>
+                  </a:txBody>
+                  <a:tcPr/>
+                </a:tc>
+                <a:tc>
+                  <a:txBody>
+                    <a:bodyPr/>
+                    <a:lstStyle/>
+                    <a:p>
+                      <a:pPr latinLnBrk="1"/>
+                      <a:r>
+                        <a:rPr lang="en-US" altLang="ko-KR" dirty="0" smtClean="0"/>
+                        <a:t>4</a:t>
+                      </a:r>
+                      <a:endParaRPr lang="ko-KR" altLang="en-US" dirty="0"/>
+                    </a:p>
+                  </a:txBody>
+                  <a:tcPr/>
+                </a:tc>
+                <a:tc>
+                  <a:txBody>
+                    <a:bodyPr/>
+                    <a:lstStyle/>
+                    <a:p>
+                      <a:pPr latinLnBrk="1"/>
+                      <a:r>
+                        <a:rPr lang="en-US" altLang="ko-KR" dirty="0" smtClean="0"/>
+                        <a:t>5</a:t>
+                      </a:r>
+                      <a:endParaRPr lang="ko-KR" altLang="en-US" dirty="0"/>
+                    </a:p>
+                  </a:txBody>
+                  <a:tcPr/>
+                </a:tc>
+                <a:tc>
+                  <a:txBody>
+                    <a:bodyPr/>
+                    <a:lstStyle/>
+                    <a:p>
+                      <a:pPr latinLnBrk="1"/>
+                      <a:r>
+                        <a:rPr lang="en-US" altLang="ko-KR" dirty="0" smtClean="0"/>
+                        <a:t>6</a:t>
+                      </a:r>
+                      <a:endParaRPr lang="ko-KR" altLang="en-US" dirty="0"/>
+                    </a:p>
+                  </a:txBody>
+                  <a:tcPr/>
+                </a:tc>
+                <a:tc>
+                  <a:txBody>
+                    <a:bodyPr/>
+                    <a:lstStyle/>
+                    <a:p>
+                      <a:pPr latinLnBrk="1"/>
+                      <a:r>
+                        <a:rPr lang="en-US" altLang="ko-KR" dirty="0" smtClean="0"/>
+                        <a:t>7</a:t>
+                      </a:r>
+                      <a:endParaRPr lang="ko-KR" altLang="en-US" dirty="0"/>
+                    </a:p>
+                  </a:txBody>
+                  <a:tcPr/>
+                </a:tc>
+                <a:tc>
+                  <a:txBody>
+                    <a:bodyPr/>
+                    <a:lstStyle/>
+                    <a:p>
+                      <a:pPr latinLnBrk="1"/>
+                      <a:r>
+                        <a:rPr lang="en-US" altLang="ko-KR" dirty="0" smtClean="0"/>
+                        <a:t>8</a:t>
+                      </a:r>
+                      <a:endParaRPr lang="ko-KR" altLang="en-US" dirty="0"/>
+                    </a:p>
+                  </a:txBody>
+                  <a:tcPr/>
+                </a:tc>
+                <a:extLst>
+                  <a:ext uri="{0D108BD9-81ED-4DB2-BD59-A6C34878D82A}">
+                    <a16:rowId xmlns:a16="http://schemas.microsoft.com/office/drawing/2014/main" val="1635806134"/>
+                  </a:ext>
+                </a:extLst>
+              </a:tr>
+              <a:tr h="370840">
+                <a:tc>
+                  <a:txBody>
+                    <a:bodyPr/>
+                    <a:lstStyle/>
+                    <a:p>
+                      <a:pPr latinLnBrk="1"/>
+                      <a:r>
+                        <a:rPr lang="en-US" altLang="ko-KR" dirty="0" smtClean="0"/>
+                        <a:t>1</a:t>
+                      </a:r>
+                      <a:endParaRPr lang="ko-KR" altLang="en-US" dirty="0"/>
+                    </a:p>
+                  </a:txBody>
+                  <a:tcPr/>
+                </a:tc>
+                <a:tc>
+                  <a:txBody>
+                    <a:bodyPr/>
+                    <a:lstStyle/>
+                    <a:p>
+                      <a:pPr latinLnBrk="1"/>
+                      <a:r>
+                        <a:rPr lang="en-US" altLang="ko-KR" dirty="0" smtClean="0"/>
+                        <a:t>2</a:t>
+                      </a:r>
+                      <a:endParaRPr lang="ko-KR" altLang="en-US" dirty="0"/>
+                    </a:p>
+                  </a:txBody>
+                  <a:tcPr/>
+                </a:tc>
+                <a:tc>
+                  <a:txBody>
+                    <a:bodyPr/>
+                    <a:lstStyle/>
+                    <a:p>
+                      <a:pPr latinLnBrk="1"/>
+                      <a:r>
+                        <a:rPr lang="en-US" altLang="ko-KR" dirty="0" smtClean="0"/>
+                        <a:t>3</a:t>
+                      </a:r>
+                      <a:endParaRPr lang="ko-KR" altLang="en-US" dirty="0"/>
+                    </a:p>
+                  </a:txBody>
+                  <a:tcPr/>
+                </a:tc>
+                <a:tc>
+                  <a:txBody>
+                    <a:bodyPr/>
+                    <a:lstStyle/>
+                    <a:p>
+                      <a:pPr latinLnBrk="1"/>
+                      <a:r>
+                        <a:rPr lang="en-US" altLang="ko-KR" dirty="0" smtClean="0"/>
+                        <a:t>5</a:t>
+                      </a:r>
+                      <a:endParaRPr lang="ko-KR" altLang="en-US" dirty="0"/>
+                    </a:p>
+                  </a:txBody>
+                  <a:tcPr/>
+                </a:tc>
+                <a:tc>
+                  <a:txBody>
+                    <a:bodyPr/>
+                    <a:lstStyle/>
+                    <a:p>
+                      <a:pPr latinLnBrk="1"/>
+                      <a:r>
+                        <a:rPr lang="en-US" altLang="ko-KR" dirty="0" smtClean="0"/>
+                        <a:t>7</a:t>
+                      </a:r>
+                      <a:endParaRPr lang="ko-KR" altLang="en-US" dirty="0"/>
+                    </a:p>
+                  </a:txBody>
+                  <a:tcPr/>
+                </a:tc>
+                <a:tc>
+                  <a:txBody>
+                    <a:bodyPr/>
+                    <a:lstStyle/>
+                    <a:p>
+                      <a:pPr latinLnBrk="1"/>
+                      <a:r>
+                        <a:rPr lang="en-US" altLang="ko-KR" dirty="0" smtClean="0"/>
+                        <a:t>9</a:t>
+                      </a:r>
+                      <a:endParaRPr lang="ko-KR" altLang="en-US" dirty="0"/>
+                    </a:p>
+                  </a:txBody>
+                  <a:tcPr/>
+                </a:tc>
+                <a:tc>
+                  <a:txBody>
+                    <a:bodyPr/>
+                    <a:lstStyle/>
+                    <a:p>
+                      <a:pPr latinLnBrk="1"/>
+                      <a:r>
+                        <a:rPr lang="en-US" altLang="ko-KR" dirty="0" smtClean="0"/>
+                        <a:t>10</a:t>
+                      </a:r>
+                      <a:endParaRPr lang="ko-KR" altLang="en-US" dirty="0"/>
+                    </a:p>
+                  </a:txBody>
+                  <a:tcPr/>
+                </a:tc>
+                <a:tc>
+                  <a:txBody>
+                    <a:bodyPr/>
+                    <a:lstStyle/>
+                    <a:p>
+                      <a:pPr latinLnBrk="1"/>
+                      <a:r>
+                        <a:rPr lang="en-US" altLang="ko-KR" dirty="0" smtClean="0"/>
+                        <a:t>11</a:t>
+                      </a:r>
+                      <a:endParaRPr lang="ko-KR" altLang="en-US" dirty="0"/>
+                    </a:p>
+                  </a:txBody>
+                  <a:tcPr/>
+                </a:tc>
+                <a:tc>
+                  <a:txBody>
+                    <a:bodyPr/>
+                    <a:lstStyle/>
+                    <a:p>
+                      <a:pPr latinLnBrk="1"/>
+                      <a:r>
+                        <a:rPr lang="en-US" altLang="ko-KR" dirty="0" smtClean="0"/>
+                        <a:t>12</a:t>
+                      </a:r>
+                      <a:endParaRPr lang="ko-KR" altLang="en-US" dirty="0"/>
+                    </a:p>
+                  </a:txBody>
+                  <a:tcPr/>
+                </a:tc>
+                <a:extLst>
+                  <a:ext uri="{0D108BD9-81ED-4DB2-BD59-A6C34878D82A}">
+                    <a16:rowId xmlns:a16="http://schemas.microsoft.com/office/drawing/2014/main" val="1660279622"/>
+                  </a:ext>
+                </a:extLst>
+              </a:tr>
+            </a:tbl>
+          </a:graphicData>
+        </a:graphic>
+      </p:graphicFrame>
+      <p:sp>
+        <p:nvSpPr>
+          <p:cNvPr id="5" name="TextBox 4"/>
+          <p:cNvSpPr txBox="1"/>
+          <p:nvPr/>
+        </p:nvSpPr>
+        <p:spPr>
+          <a:xfrm>
+            <a:off x="1482644" y="4557649"/>
+            <a:ext cx="1122630" cy="369332"/>
+          </a:xfrm>
+          <a:prstGeom prst="rect">
+            <a:avLst/>
+          </a:prstGeom>
+          <a:noFill/>
+        </p:spPr>
+        <p:txBody>
+          <a:bodyPr wrap="square" rtlCol="0">
+            <a:spAutoFit/>
+          </a:bodyPr>
+          <a:lstStyle/>
+          <a:p>
+            <a:r>
+              <a:rPr lang="en-US" altLang="ko-KR" dirty="0" err="1" smtClean="0"/>
+              <a:t>nums</a:t>
+            </a:r>
+            <a:endParaRPr lang="ko-KR" altLang="en-US" dirty="0"/>
+          </a:p>
+        </p:txBody>
+      </p:sp>
+      <p:graphicFrame>
+        <p:nvGraphicFramePr>
+          <p:cNvPr id="6" name="표 5"/>
+          <p:cNvGraphicFramePr>
+            <a:graphicFrameLocks noGrp="1"/>
+          </p:cNvGraphicFramePr>
+          <p:nvPr>
+            <p:extLst>
+              <p:ext uri="{D42A27DB-BD31-4B8C-83A1-F6EECF244321}">
+                <p14:modId xmlns:p14="http://schemas.microsoft.com/office/powerpoint/2010/main" val="4176417923"/>
+              </p:ext>
+            </p:extLst>
+          </p:nvPr>
+        </p:nvGraphicFramePr>
+        <p:xfrm>
+          <a:off x="2238107" y="2476543"/>
+          <a:ext cx="8127999" cy="741680"/>
+        </p:xfrm>
+        <a:graphic>
+          <a:graphicData uri="http://schemas.openxmlformats.org/drawingml/2006/table">
+            <a:tbl>
+              <a:tblPr firstRow="1" bandRow="1">
+                <a:tableStyleId>{5C22544A-7EE6-4342-B048-85BDC9FD1C3A}</a:tableStyleId>
+              </a:tblPr>
+              <a:tblGrid>
+                <a:gridCol w="903111">
+                  <a:extLst>
+                    <a:ext uri="{9D8B030D-6E8A-4147-A177-3AD203B41FA5}">
+                      <a16:colId xmlns:a16="http://schemas.microsoft.com/office/drawing/2014/main" val="1847772735"/>
+                    </a:ext>
+                  </a:extLst>
+                </a:gridCol>
+                <a:gridCol w="903111">
+                  <a:extLst>
+                    <a:ext uri="{9D8B030D-6E8A-4147-A177-3AD203B41FA5}">
+                      <a16:colId xmlns:a16="http://schemas.microsoft.com/office/drawing/2014/main" val="2235280598"/>
+                    </a:ext>
+                  </a:extLst>
+                </a:gridCol>
+                <a:gridCol w="903111">
+                  <a:extLst>
+                    <a:ext uri="{9D8B030D-6E8A-4147-A177-3AD203B41FA5}">
+                      <a16:colId xmlns:a16="http://schemas.microsoft.com/office/drawing/2014/main" val="1407378203"/>
+                    </a:ext>
+                  </a:extLst>
+                </a:gridCol>
+                <a:gridCol w="903111">
+                  <a:extLst>
+                    <a:ext uri="{9D8B030D-6E8A-4147-A177-3AD203B41FA5}">
+                      <a16:colId xmlns:a16="http://schemas.microsoft.com/office/drawing/2014/main" val="3048017605"/>
+                    </a:ext>
+                  </a:extLst>
+                </a:gridCol>
+                <a:gridCol w="903111">
+                  <a:extLst>
+                    <a:ext uri="{9D8B030D-6E8A-4147-A177-3AD203B41FA5}">
+                      <a16:colId xmlns:a16="http://schemas.microsoft.com/office/drawing/2014/main" val="333287174"/>
+                    </a:ext>
+                  </a:extLst>
+                </a:gridCol>
+                <a:gridCol w="903111">
+                  <a:extLst>
+                    <a:ext uri="{9D8B030D-6E8A-4147-A177-3AD203B41FA5}">
+                      <a16:colId xmlns:a16="http://schemas.microsoft.com/office/drawing/2014/main" val="1379259200"/>
+                    </a:ext>
+                  </a:extLst>
+                </a:gridCol>
+                <a:gridCol w="903111">
+                  <a:extLst>
+                    <a:ext uri="{9D8B030D-6E8A-4147-A177-3AD203B41FA5}">
+                      <a16:colId xmlns:a16="http://schemas.microsoft.com/office/drawing/2014/main" val="1308369522"/>
+                    </a:ext>
+                  </a:extLst>
+                </a:gridCol>
+                <a:gridCol w="903111">
+                  <a:extLst>
+                    <a:ext uri="{9D8B030D-6E8A-4147-A177-3AD203B41FA5}">
+                      <a16:colId xmlns:a16="http://schemas.microsoft.com/office/drawing/2014/main" val="2939565728"/>
+                    </a:ext>
+                  </a:extLst>
+                </a:gridCol>
+                <a:gridCol w="903111">
+                  <a:extLst>
+                    <a:ext uri="{9D8B030D-6E8A-4147-A177-3AD203B41FA5}">
+                      <a16:colId xmlns:a16="http://schemas.microsoft.com/office/drawing/2014/main" val="972730166"/>
+                    </a:ext>
+                  </a:extLst>
+                </a:gridCol>
+              </a:tblGrid>
+              <a:tr h="370840">
+                <a:tc>
+                  <a:txBody>
+                    <a:bodyPr/>
+                    <a:lstStyle/>
+                    <a:p>
+                      <a:pPr latinLnBrk="1"/>
+                      <a:r>
+                        <a:rPr lang="en-US" altLang="ko-KR" dirty="0" smtClean="0"/>
+                        <a:t>0</a:t>
+                      </a:r>
+                      <a:endParaRPr lang="ko-KR" altLang="en-US" dirty="0"/>
+                    </a:p>
+                  </a:txBody>
+                  <a:tcPr/>
+                </a:tc>
+                <a:tc>
+                  <a:txBody>
+                    <a:bodyPr/>
+                    <a:lstStyle/>
+                    <a:p>
+                      <a:pPr latinLnBrk="1"/>
+                      <a:r>
+                        <a:rPr lang="en-US" altLang="ko-KR" dirty="0" smtClean="0"/>
+                        <a:t>1</a:t>
+                      </a:r>
+                      <a:endParaRPr lang="ko-KR" altLang="en-US" dirty="0"/>
+                    </a:p>
+                  </a:txBody>
+                  <a:tcPr/>
+                </a:tc>
+                <a:tc>
+                  <a:txBody>
+                    <a:bodyPr/>
+                    <a:lstStyle/>
+                    <a:p>
+                      <a:pPr latinLnBrk="1"/>
+                      <a:r>
+                        <a:rPr lang="en-US" altLang="ko-KR" dirty="0" smtClean="0"/>
+                        <a:t>2</a:t>
+                      </a:r>
+                      <a:endParaRPr lang="ko-KR" altLang="en-US" dirty="0"/>
+                    </a:p>
+                  </a:txBody>
+                  <a:tcPr/>
+                </a:tc>
+                <a:tc>
+                  <a:txBody>
+                    <a:bodyPr/>
+                    <a:lstStyle/>
+                    <a:p>
+                      <a:pPr latinLnBrk="1"/>
+                      <a:r>
+                        <a:rPr lang="en-US" altLang="ko-KR" dirty="0" smtClean="0"/>
+                        <a:t>3</a:t>
+                      </a:r>
+                      <a:endParaRPr lang="ko-KR" altLang="en-US" dirty="0"/>
+                    </a:p>
+                  </a:txBody>
+                  <a:tcPr/>
+                </a:tc>
+                <a:tc>
+                  <a:txBody>
+                    <a:bodyPr/>
+                    <a:lstStyle/>
+                    <a:p>
+                      <a:pPr latinLnBrk="1"/>
+                      <a:r>
+                        <a:rPr lang="en-US" altLang="ko-KR" dirty="0" smtClean="0"/>
+                        <a:t>4</a:t>
+                      </a:r>
+                      <a:endParaRPr lang="ko-KR" altLang="en-US" dirty="0"/>
+                    </a:p>
+                  </a:txBody>
+                  <a:tcPr/>
+                </a:tc>
+                <a:tc>
+                  <a:txBody>
+                    <a:bodyPr/>
+                    <a:lstStyle/>
+                    <a:p>
+                      <a:pPr latinLnBrk="1"/>
+                      <a:r>
+                        <a:rPr lang="en-US" altLang="ko-KR" dirty="0" smtClean="0"/>
+                        <a:t>5</a:t>
+                      </a:r>
+                      <a:endParaRPr lang="ko-KR" altLang="en-US" dirty="0"/>
+                    </a:p>
+                  </a:txBody>
+                  <a:tcPr/>
+                </a:tc>
+                <a:tc>
+                  <a:txBody>
+                    <a:bodyPr/>
+                    <a:lstStyle/>
+                    <a:p>
+                      <a:pPr latinLnBrk="1"/>
+                      <a:r>
+                        <a:rPr lang="en-US" altLang="ko-KR" dirty="0" smtClean="0"/>
+                        <a:t>6</a:t>
+                      </a:r>
+                      <a:endParaRPr lang="ko-KR" altLang="en-US" dirty="0"/>
+                    </a:p>
+                  </a:txBody>
+                  <a:tcPr/>
+                </a:tc>
+                <a:tc>
+                  <a:txBody>
+                    <a:bodyPr/>
+                    <a:lstStyle/>
+                    <a:p>
+                      <a:pPr latinLnBrk="1"/>
+                      <a:r>
+                        <a:rPr lang="en-US" altLang="ko-KR" dirty="0" smtClean="0"/>
+                        <a:t>7</a:t>
+                      </a:r>
+                      <a:endParaRPr lang="ko-KR" altLang="en-US" dirty="0"/>
+                    </a:p>
+                  </a:txBody>
+                  <a:tcPr/>
+                </a:tc>
+                <a:tc>
+                  <a:txBody>
+                    <a:bodyPr/>
+                    <a:lstStyle/>
+                    <a:p>
+                      <a:pPr latinLnBrk="1"/>
+                      <a:r>
+                        <a:rPr lang="en-US" altLang="ko-KR" dirty="0" smtClean="0"/>
+                        <a:t>8</a:t>
+                      </a:r>
+                      <a:endParaRPr lang="ko-KR" altLang="en-US" dirty="0"/>
+                    </a:p>
+                  </a:txBody>
+                  <a:tcPr/>
+                </a:tc>
+                <a:extLst>
+                  <a:ext uri="{0D108BD9-81ED-4DB2-BD59-A6C34878D82A}">
+                    <a16:rowId xmlns:a16="http://schemas.microsoft.com/office/drawing/2014/main" val="1635806134"/>
+                  </a:ext>
+                </a:extLst>
+              </a:tr>
+              <a:tr h="370840">
+                <a:tc>
+                  <a:txBody>
+                    <a:bodyPr/>
+                    <a:lstStyle/>
+                    <a:p>
+                      <a:pPr latinLnBrk="1"/>
+                      <a:r>
+                        <a:rPr lang="en-US" altLang="ko-KR" dirty="0" smtClean="0"/>
+                        <a:t>5</a:t>
+                      </a:r>
+                      <a:endParaRPr lang="ko-KR" altLang="en-US" dirty="0"/>
+                    </a:p>
+                  </a:txBody>
+                  <a:tcPr/>
+                </a:tc>
+                <a:tc>
+                  <a:txBody>
+                    <a:bodyPr/>
+                    <a:lstStyle/>
+                    <a:p>
+                      <a:pPr latinLnBrk="1"/>
+                      <a:r>
+                        <a:rPr lang="en-US" altLang="ko-KR" dirty="0" smtClean="0"/>
+                        <a:t>12</a:t>
+                      </a:r>
+                      <a:endParaRPr lang="ko-KR" altLang="en-US" dirty="0"/>
+                    </a:p>
+                  </a:txBody>
+                  <a:tcPr/>
+                </a:tc>
+                <a:tc>
+                  <a:txBody>
+                    <a:bodyPr/>
+                    <a:lstStyle/>
+                    <a:p>
+                      <a:pPr latinLnBrk="1"/>
+                      <a:r>
+                        <a:rPr lang="en-US" altLang="ko-KR" dirty="0" smtClean="0"/>
+                        <a:t>7</a:t>
+                      </a:r>
+                      <a:endParaRPr lang="ko-KR" altLang="en-US" dirty="0"/>
+                    </a:p>
+                  </a:txBody>
+                  <a:tcPr/>
+                </a:tc>
+                <a:tc>
+                  <a:txBody>
+                    <a:bodyPr/>
+                    <a:lstStyle/>
+                    <a:p>
+                      <a:pPr latinLnBrk="1"/>
+                      <a:r>
+                        <a:rPr lang="en-US" altLang="ko-KR" dirty="0" smtClean="0"/>
+                        <a:t>10</a:t>
+                      </a:r>
+                      <a:endParaRPr lang="ko-KR" altLang="en-US" dirty="0"/>
+                    </a:p>
+                  </a:txBody>
+                  <a:tcPr/>
+                </a:tc>
+                <a:tc>
+                  <a:txBody>
+                    <a:bodyPr/>
+                    <a:lstStyle/>
+                    <a:p>
+                      <a:pPr latinLnBrk="1"/>
+                      <a:r>
+                        <a:rPr lang="en-US" altLang="ko-KR" dirty="0" smtClean="0"/>
+                        <a:t>9</a:t>
+                      </a:r>
+                      <a:endParaRPr lang="ko-KR" altLang="en-US" dirty="0"/>
+                    </a:p>
+                  </a:txBody>
+                  <a:tcPr/>
+                </a:tc>
+                <a:tc>
+                  <a:txBody>
+                    <a:bodyPr/>
+                    <a:lstStyle/>
+                    <a:p>
+                      <a:pPr latinLnBrk="1"/>
+                      <a:r>
+                        <a:rPr lang="en-US" altLang="ko-KR" dirty="0" smtClean="0"/>
+                        <a:t>1</a:t>
+                      </a:r>
+                      <a:endParaRPr lang="ko-KR" altLang="en-US" dirty="0"/>
+                    </a:p>
+                  </a:txBody>
+                  <a:tcPr/>
+                </a:tc>
+                <a:tc>
+                  <a:txBody>
+                    <a:bodyPr/>
+                    <a:lstStyle/>
+                    <a:p>
+                      <a:pPr latinLnBrk="1"/>
+                      <a:r>
+                        <a:rPr lang="en-US" altLang="ko-KR" dirty="0" smtClean="0"/>
+                        <a:t>2</a:t>
+                      </a:r>
+                      <a:endParaRPr lang="ko-KR" altLang="en-US" dirty="0"/>
+                    </a:p>
+                  </a:txBody>
+                  <a:tcPr/>
+                </a:tc>
+                <a:tc>
+                  <a:txBody>
+                    <a:bodyPr/>
+                    <a:lstStyle/>
+                    <a:p>
+                      <a:pPr latinLnBrk="1"/>
+                      <a:r>
+                        <a:rPr lang="en-US" altLang="ko-KR" dirty="0" smtClean="0"/>
+                        <a:t>3</a:t>
+                      </a:r>
+                      <a:endParaRPr lang="ko-KR" altLang="en-US" dirty="0"/>
+                    </a:p>
+                  </a:txBody>
+                  <a:tcPr/>
+                </a:tc>
+                <a:tc>
+                  <a:txBody>
+                    <a:bodyPr/>
+                    <a:lstStyle/>
+                    <a:p>
+                      <a:pPr latinLnBrk="1"/>
+                      <a:r>
+                        <a:rPr lang="en-US" altLang="ko-KR" dirty="0" smtClean="0"/>
+                        <a:t>11</a:t>
+                      </a:r>
+                      <a:endParaRPr lang="ko-KR" altLang="en-US" dirty="0"/>
+                    </a:p>
+                  </a:txBody>
+                  <a:tcPr/>
+                </a:tc>
+                <a:extLst>
+                  <a:ext uri="{0D108BD9-81ED-4DB2-BD59-A6C34878D82A}">
+                    <a16:rowId xmlns:a16="http://schemas.microsoft.com/office/drawing/2014/main" val="1660279622"/>
+                  </a:ext>
+                </a:extLst>
+              </a:tr>
+            </a:tbl>
+          </a:graphicData>
+        </a:graphic>
+      </p:graphicFrame>
+      <p:sp>
+        <p:nvSpPr>
+          <p:cNvPr id="7" name="TextBox 6"/>
+          <p:cNvSpPr txBox="1"/>
+          <p:nvPr/>
+        </p:nvSpPr>
+        <p:spPr>
+          <a:xfrm>
+            <a:off x="1482644" y="2847383"/>
+            <a:ext cx="1122630" cy="369332"/>
+          </a:xfrm>
+          <a:prstGeom prst="rect">
+            <a:avLst/>
+          </a:prstGeom>
+          <a:noFill/>
+        </p:spPr>
+        <p:txBody>
+          <a:bodyPr wrap="square" rtlCol="0">
+            <a:spAutoFit/>
+          </a:bodyPr>
+          <a:lstStyle/>
+          <a:p>
+            <a:r>
+              <a:rPr lang="en-US" altLang="ko-KR" dirty="0" err="1" smtClean="0"/>
+              <a:t>nums</a:t>
+            </a:r>
+            <a:endParaRPr lang="ko-KR" altLang="en-US" dirty="0"/>
+          </a:p>
+        </p:txBody>
+      </p:sp>
+    </p:spTree>
+    <p:extLst>
+      <p:ext uri="{BB962C8B-B14F-4D97-AF65-F5344CB8AC3E}">
+        <p14:creationId xmlns:p14="http://schemas.microsoft.com/office/powerpoint/2010/main" val="1158671410"/>
+      </p:ext>
+    </p:extLst>
+  </p:cSld>
+  <p:clrMapOvr>
+    <a:masterClrMapping/>
+  </p:clrMapOvr>
+  <p:timing>
+    <p:tnLst>
+      <p:par>
+        <p:cTn id="1" dur="indefinite" restart="never" nodeType="tmRoot"/>
+      </p:par>
+    </p:tnLst>
+  </p:timing>
+</p:sld>
+</file>
+
+<file path=ppt/slides/slide4.xml><?xml version="1.0" encoding="utf-8"?>
 <p:sld xmlns:a="http://schemas.openxmlformats.org/drawingml/2006/main" xmlns:r="http://schemas.openxmlformats.org/officeDocument/2006/relationships" xmlns:p="http://schemas.openxmlformats.org/presentationml/2006/main">
   <p:cSld>
     <p:spTree>
@@ -3374,75 +4912,6 @@
           </a:p>
         </p:txBody>
       </p:sp>
-      <p:cxnSp>
-        <p:nvCxnSpPr>
-          <p:cNvPr id="9" name="직선 화살표 연결선 8"/>
-          <p:cNvCxnSpPr/>
-          <p:nvPr/>
-        </p:nvCxnSpPr>
-        <p:spPr>
-          <a:xfrm>
-            <a:off x="6233311" y="2453480"/>
-            <a:ext cx="0" cy="497941"/>
-          </a:xfrm>
-          <a:prstGeom prst="straightConnector1">
-            <a:avLst/>
-          </a:prstGeom>
-          <a:ln>
-            <a:solidFill>
-              <a:srgbClr val="FF0000"/>
-            </a:solidFill>
-            <a:tailEnd type="triangle"/>
-          </a:ln>
-        </p:spPr>
-        <p:style>
-          <a:lnRef idx="1">
-            <a:schemeClr val="accent1"/>
-          </a:lnRef>
-          <a:fillRef idx="0">
-            <a:schemeClr val="accent1"/>
-          </a:fillRef>
-          <a:effectRef idx="0">
-            <a:schemeClr val="accent1"/>
-          </a:effectRef>
-          <a:fontRef idx="minor">
-            <a:schemeClr val="tx1"/>
-          </a:fontRef>
-        </p:style>
-      </p:cxnSp>
-      <p:cxnSp>
-        <p:nvCxnSpPr>
-          <p:cNvPr id="10" name="직선 화살표 연결선 9"/>
-          <p:cNvCxnSpPr/>
-          <p:nvPr/>
-        </p:nvCxnSpPr>
-        <p:spPr>
-          <a:xfrm>
-            <a:off x="6366096" y="2453479"/>
-            <a:ext cx="0" cy="497941"/>
-          </a:xfrm>
-          <a:prstGeom prst="straightConnector1">
-            <a:avLst/>
-          </a:prstGeom>
-          <a:ln>
-            <a:tailEnd type="triangle"/>
-          </a:ln>
-        </p:spPr>
-        <p:style>
-          <a:lnRef idx="1">
-            <a:schemeClr val="accent1"/>
-          </a:lnRef>
-          <a:fillRef idx="0">
-            <a:schemeClr val="accent1"/>
-          </a:fillRef>
-          <a:effectRef idx="0">
-            <a:schemeClr val="accent1"/>
-          </a:effectRef>
-          <a:fontRef idx="minor">
-            <a:schemeClr val="tx1"/>
-          </a:fontRef>
-        </p:style>
-      </p:cxnSp>
       <p:sp>
         <p:nvSpPr>
           <p:cNvPr id="11" name="TextBox 10"/>
@@ -3533,6 +5002,165 @@
           </a:p>
         </p:txBody>
       </p:sp>
+      <p:grpSp>
+        <p:nvGrpSpPr>
+          <p:cNvPr id="5" name="그룹 4"/>
+          <p:cNvGrpSpPr/>
+          <p:nvPr/>
+        </p:nvGrpSpPr>
+        <p:grpSpPr>
+          <a:xfrm>
+            <a:off x="4248847" y="1903236"/>
+            <a:ext cx="998375" cy="945548"/>
+            <a:chOff x="4248847" y="1903236"/>
+            <a:chExt cx="998375" cy="945548"/>
+          </a:xfrm>
+        </p:grpSpPr>
+        <p:cxnSp>
+          <p:nvCxnSpPr>
+            <p:cNvPr id="9" name="직선 화살표 연결선 8"/>
+            <p:cNvCxnSpPr/>
+            <p:nvPr/>
+          </p:nvCxnSpPr>
+          <p:spPr>
+            <a:xfrm>
+              <a:off x="4516479" y="2350843"/>
+              <a:ext cx="0" cy="497941"/>
+            </a:xfrm>
+            <a:prstGeom prst="straightConnector1">
+              <a:avLst/>
+            </a:prstGeom>
+            <a:ln>
+              <a:solidFill>
+                <a:srgbClr val="FF0000"/>
+              </a:solidFill>
+              <a:tailEnd type="triangle"/>
+            </a:ln>
+          </p:spPr>
+          <p:style>
+            <a:lnRef idx="1">
+              <a:schemeClr val="accent1"/>
+            </a:lnRef>
+            <a:fillRef idx="0">
+              <a:schemeClr val="accent1"/>
+            </a:fillRef>
+            <a:effectRef idx="0">
+              <a:schemeClr val="accent1"/>
+            </a:effectRef>
+            <a:fontRef idx="minor">
+              <a:schemeClr val="tx1"/>
+            </a:fontRef>
+          </p:style>
+        </p:cxnSp>
+        <p:sp>
+          <p:nvSpPr>
+            <p:cNvPr id="2" name="TextBox 1"/>
+            <p:cNvSpPr txBox="1"/>
+            <p:nvPr/>
+          </p:nvSpPr>
+          <p:spPr>
+            <a:xfrm>
+              <a:off x="4248847" y="1903236"/>
+              <a:ext cx="998375" cy="369332"/>
+            </a:xfrm>
+            <a:prstGeom prst="rect">
+              <a:avLst/>
+            </a:prstGeom>
+            <a:noFill/>
+          </p:spPr>
+          <p:txBody>
+            <a:bodyPr wrap="square" rtlCol="0">
+              <a:spAutoFit/>
+            </a:bodyPr>
+            <a:lstStyle/>
+            <a:p>
+              <a:r>
+                <a:rPr lang="en-US" altLang="ko-KR" dirty="0" smtClean="0"/>
+                <a:t>left</a:t>
+              </a:r>
+              <a:endParaRPr lang="ko-KR" altLang="en-US" dirty="0"/>
+            </a:p>
+          </p:txBody>
+        </p:sp>
+      </p:grpSp>
+      <p:grpSp>
+        <p:nvGrpSpPr>
+          <p:cNvPr id="4" name="그룹 3"/>
+          <p:cNvGrpSpPr/>
+          <p:nvPr/>
+        </p:nvGrpSpPr>
+        <p:grpSpPr>
+          <a:xfrm>
+            <a:off x="6068008" y="1898625"/>
+            <a:ext cx="998375" cy="918739"/>
+            <a:chOff x="6068008" y="1898625"/>
+            <a:chExt cx="998375" cy="918739"/>
+          </a:xfrm>
+        </p:grpSpPr>
+        <p:cxnSp>
+          <p:nvCxnSpPr>
+            <p:cNvPr id="10" name="직선 화살표 연결선 9"/>
+            <p:cNvCxnSpPr/>
+            <p:nvPr/>
+          </p:nvCxnSpPr>
+          <p:spPr>
+            <a:xfrm>
+              <a:off x="6358551" y="2319423"/>
+              <a:ext cx="0" cy="497941"/>
+            </a:xfrm>
+            <a:prstGeom prst="straightConnector1">
+              <a:avLst/>
+            </a:prstGeom>
+            <a:ln>
+              <a:tailEnd type="triangle"/>
+            </a:ln>
+          </p:spPr>
+          <p:style>
+            <a:lnRef idx="1">
+              <a:schemeClr val="accent1"/>
+            </a:lnRef>
+            <a:fillRef idx="0">
+              <a:schemeClr val="accent1"/>
+            </a:fillRef>
+            <a:effectRef idx="0">
+              <a:schemeClr val="accent1"/>
+            </a:effectRef>
+            <a:fontRef idx="minor">
+              <a:schemeClr val="tx1"/>
+            </a:fontRef>
+          </p:style>
+        </p:cxnSp>
+        <p:sp>
+          <p:nvSpPr>
+            <p:cNvPr id="14" name="TextBox 13"/>
+            <p:cNvSpPr txBox="1"/>
+            <p:nvPr/>
+          </p:nvSpPr>
+          <p:spPr>
+            <a:xfrm>
+              <a:off x="6068008" y="1898625"/>
+              <a:ext cx="998375" cy="369332"/>
+            </a:xfrm>
+            <a:prstGeom prst="rect">
+              <a:avLst/>
+            </a:prstGeom>
+            <a:noFill/>
+          </p:spPr>
+          <p:txBody>
+            <a:bodyPr wrap="square" rtlCol="0">
+              <a:spAutoFit/>
+            </a:bodyPr>
+            <a:lstStyle/>
+            <a:p>
+              <a:r>
+                <a:rPr lang="en-US" altLang="ko-KR" dirty="0" smtClean="0"/>
+                <a:t>right</a:t>
+              </a:r>
+              <a:endParaRPr lang="ko-KR" altLang="en-US" dirty="0"/>
+            </a:p>
+          </p:txBody>
+        </p:sp>
+      </p:grpSp>
     </p:spTree>
     <p:extLst>
       <p:ext uri="{BB962C8B-B14F-4D97-AF65-F5344CB8AC3E}">
@@ -3553,7 +5181,82 @@
 </p:sld>
 </file>
 
-<file path=ppt/slides/slide2.xml><?xml version="1.0" encoding="utf-8"?>
+<file path=ppt/slides/slide5.xml><?xml version="1.0" encoding="utf-8"?>
+<p:sld xmlns:a="http://schemas.openxmlformats.org/drawingml/2006/main" xmlns:r="http://schemas.openxmlformats.org/officeDocument/2006/relationships" xmlns:p="http://schemas.openxmlformats.org/presentationml/2006/main">
+  <p:cSld>
+    <p:spTree>
+      <p:nvGrpSpPr>
+        <p:cNvPr id="1" name=""/>
+        <p:cNvGrpSpPr/>
+        <p:nvPr/>
+      </p:nvGrpSpPr>
+      <p:grpSpPr>
+        <a:xfrm>
+          <a:off x="0" y="0"/>
+          <a:ext cx="0" cy="0"/>
+          <a:chOff x="0" y="0"/>
+          <a:chExt cx="0" cy="0"/>
+        </a:xfrm>
+      </p:grpSpPr>
+      <p:sp>
+        <p:nvSpPr>
+          <p:cNvPr id="2" name="제목 1"/>
+          <p:cNvSpPr>
+            <a:spLocks noGrp="1"/>
+          </p:cNvSpPr>
+          <p:nvPr>
+            <p:ph type="title"/>
+          </p:nvPr>
+        </p:nvSpPr>
+        <p:spPr/>
+        <p:txBody>
+          <a:bodyPr/>
+          <a:lstStyle/>
+          <a:p>
+            <a:endParaRPr lang="ko-KR" altLang="en-US"/>
+          </a:p>
+        </p:txBody>
+      </p:sp>
+      <p:sp>
+        <p:nvSpPr>
+          <p:cNvPr id="3" name="내용 개체 틀 2"/>
+          <p:cNvSpPr>
+            <a:spLocks noGrp="1"/>
+          </p:cNvSpPr>
+          <p:nvPr>
+            <p:ph idx="1"/>
+          </p:nvPr>
+        </p:nvSpPr>
+        <p:spPr/>
+        <p:txBody>
+          <a:bodyPr/>
+          <a:lstStyle/>
+          <a:p>
+            <a:endParaRPr lang="ko-KR" altLang="en-US"/>
+          </a:p>
+        </p:txBody>
+      </p:sp>
+    </p:spTree>
+    <p:extLst>
+      <p:ext uri="{BB962C8B-B14F-4D97-AF65-F5344CB8AC3E}">
+        <p14:creationId xmlns:p14="http://schemas.microsoft.com/office/powerpoint/2010/main" val="319374267"/>
+      </p:ext>
+    </p:extLst>
+  </p:cSld>
+  <p:clrMapOvr>
+    <a:masterClrMapping/>
+  </p:clrMapOvr>
+  <p:timing>
+    <p:tnLst>
+      <p:par>
+        <p:cTn id="1" dur="indefinite" restart="never" nodeType="tmRoot"/>
+      </p:par>
+    </p:tnLst>
+  </p:timing>
+</p:sld>
+</file>
+
+<file path=ppt/slides/slide6.xml><?xml version="1.0" encoding="utf-8"?>
 <p:sld xmlns:a="http://schemas.openxmlformats.org/drawingml/2006/main" xmlns:r="http://schemas.openxmlformats.org/officeDocument/2006/relationships" xmlns:p="http://schemas.openxmlformats.org/presentationml/2006/main">
   <p:cSld>
     <p:spTree>
@@ -4296,7 +5999,7 @@
 </p:sld>
 </file>
 
-<file path=ppt/slides/slide3.xml><?xml version="1.0" encoding="utf-8"?>
+<file path=ppt/slides/slide7.xml><?xml version="1.0" encoding="utf-8"?>
 <p:sld xmlns:a="http://schemas.openxmlformats.org/drawingml/2006/main" xmlns:r="http://schemas.openxmlformats.org/officeDocument/2006/relationships" xmlns:p="http://schemas.openxmlformats.org/presentationml/2006/main">
   <p:cSld>
     <p:spTree>
@@ -4610,11 +6313,7 @@
                       <a:pPr latinLnBrk="1"/>
                       <a:r>
                         <a:rPr lang="en-US" altLang="ko-KR" sz="1400" dirty="0" smtClean="0"/>
-                        <a:t>1, </a:t>
-                      </a:r>
-                      <a:r>
-                        <a:rPr lang="en-US" altLang="ko-KR" sz="1400" dirty="0" smtClean="0"/>
-                        <a:t>graph[2][0]</a:t>
+                        <a:t>1, graph[2][0]</a:t>
                       </a:r>
                       <a:endParaRPr lang="ko-KR" altLang="en-US" sz="1400" dirty="0"/>
                     </a:p>
@@ -4674,11 +6373,7 @@
                       </a:pPr>
                       <a:r>
                         <a:rPr lang="en-US" altLang="ko-KR" sz="1400" dirty="0" smtClean="0"/>
-                        <a:t>1, </a:t>
-                      </a:r>
-                      <a:r>
-                        <a:rPr lang="en-US" altLang="ko-KR" sz="1400" dirty="0" smtClean="0"/>
-                        <a:t>graph[4][0]</a:t>
+                        <a:t>1, graph[4][0]</a:t>
                       </a:r>
                       <a:endParaRPr lang="ko-KR" altLang="en-US" sz="1400" dirty="0"/>
                     </a:p>
@@ -6381,16 +8076,7 @@
                 </a:solidFill>
                 <a:latin typeface="Consolas" panose="020B0609020204030204" pitchFamily="49" charset="0"/>
               </a:rPr>
-              <a:t>node_info</a:t>
-            </a:r>
-            <a:r>
-              <a:rPr lang="en-US" altLang="ko-KR" dirty="0" err="1" smtClean="0">
-                <a:solidFill>
-                  <a:srgbClr val="000000"/>
-                </a:solidFill>
-                <a:latin typeface="Consolas" panose="020B0609020204030204" pitchFamily="49" charset="0"/>
-              </a:rPr>
-              <a:t>.sort</a:t>
+              <a:t>node_info.sort</a:t>
             </a:r>
             <a:r>
               <a:rPr lang="en-US" altLang="ko-KR" dirty="0">
@@ -7162,11 +8848,7 @@
                       <a:pPr latinLnBrk="1"/>
                       <a:r>
                         <a:rPr lang="en-US" altLang="ko-KR" sz="1400" dirty="0" smtClean="0"/>
-                        <a:t>3, </a:t>
-                      </a:r>
-                      <a:r>
-                        <a:rPr lang="en-US" altLang="ko-KR" sz="1400" dirty="0" smtClean="0"/>
-                        <a:t>graph[1][1]</a:t>
+                        <a:t>3, graph[1][1]</a:t>
                       </a:r>
                       <a:endParaRPr lang="ko-KR" altLang="en-US" sz="1400" dirty="0"/>
                     </a:p>
@@ -7225,11 +8907,7 @@
                       <a:pPr latinLnBrk="1"/>
                       <a:r>
                         <a:rPr lang="en-US" altLang="ko-KR" sz="1400" dirty="0" smtClean="0"/>
-                        <a:t>4, </a:t>
-                      </a:r>
-                      <a:r>
-                        <a:rPr lang="en-US" altLang="ko-KR" sz="1400" dirty="0" smtClean="0"/>
-                        <a:t>graph[1][2]</a:t>
+                        <a:t>4, graph[1][2]</a:t>
                       </a:r>
                       <a:endParaRPr lang="ko-KR" altLang="en-US" sz="1400" dirty="0"/>
                     </a:p>
@@ -7288,11 +8966,7 @@
                       <a:pPr latinLnBrk="1"/>
                       <a:r>
                         <a:rPr lang="en-US" altLang="ko-KR" sz="1400" dirty="0" smtClean="0"/>
-                        <a:t>4, </a:t>
-                      </a:r>
-                      <a:r>
-                        <a:rPr lang="en-US" altLang="ko-KR" sz="1400" dirty="0" smtClean="0"/>
-                        <a:t>graph[2][1]</a:t>
+                        <a:t>4, graph[2][1]</a:t>
                       </a:r>
                       <a:endParaRPr lang="ko-KR" altLang="en-US" sz="1400" dirty="0"/>
                     </a:p>
@@ -7351,11 +9025,7 @@
                       <a:pPr latinLnBrk="1"/>
                       <a:r>
                         <a:rPr lang="en-US" altLang="ko-KR" sz="1400" dirty="0" smtClean="0"/>
-                        <a:t>2, </a:t>
-                      </a:r>
-                      <a:r>
-                        <a:rPr lang="en-US" altLang="ko-KR" sz="1400" dirty="0" smtClean="0"/>
-                        <a:t>graph[4][1]</a:t>
+                        <a:t>2, graph[4][1]</a:t>
                       </a:r>
                       <a:endParaRPr lang="ko-KR" altLang="en-US" sz="1400" dirty="0"/>
                     </a:p>
@@ -7414,11 +9084,7 @@
                       <a:pPr latinLnBrk="1"/>
                       <a:r>
                         <a:rPr lang="en-US" altLang="ko-KR" sz="1400" dirty="0" smtClean="0"/>
-                        <a:t>4, </a:t>
-                      </a:r>
-                      <a:r>
-                        <a:rPr lang="en-US" altLang="ko-KR" sz="1400" dirty="0" smtClean="0"/>
-                        <a:t>graph[3][1]</a:t>
+                        <a:t>4, graph[3][1]</a:t>
                       </a:r>
                       <a:endParaRPr lang="ko-KR" altLang="en-US" sz="1400" dirty="0"/>
                     </a:p>
@@ -7477,11 +9143,7 @@
                       <a:pPr latinLnBrk="1"/>
                       <a:r>
                         <a:rPr lang="en-US" altLang="ko-KR" sz="1400" dirty="0" smtClean="0"/>
-                        <a:t>3, </a:t>
-                      </a:r>
-                      <a:r>
-                        <a:rPr lang="en-US" altLang="ko-KR" sz="1400" dirty="0" smtClean="0"/>
-                        <a:t>graph[4][2]</a:t>
+                        <a:t>3, graph[4][2]</a:t>
                       </a:r>
                       <a:endParaRPr lang="ko-KR" altLang="en-US" sz="1400" dirty="0"/>
                     </a:p>
@@ -8633,16 +10295,7 @@
                 </a:solidFill>
                 <a:latin typeface="Consolas" panose="020B0609020204030204" pitchFamily="49" charset="0"/>
               </a:rPr>
-              <a:t>next</a:t>
-            </a:r>
-            <a:r>
-              <a:rPr lang="en-US" altLang="ko-KR" dirty="0" smtClean="0">
-                <a:solidFill>
-                  <a:srgbClr val="808080"/>
-                </a:solidFill>
-                <a:latin typeface="Consolas" panose="020B0609020204030204" pitchFamily="49" charset="0"/>
-              </a:rPr>
-              <a:t>_node,1</a:t>
+              <a:t>next_node,1</a:t>
             </a:r>
             <a:endParaRPr lang="ko-KR" altLang="en-US" dirty="0"/>
           </a:p>
@@ -8668,7 +10321,7 @@
 </p:sld>
 </file>
 
-<file path=ppt/slides/slide4.xml><?xml version="1.0" encoding="utf-8"?>
+<file path=ppt/slides/slide8.xml><?xml version="1.0" encoding="utf-8"?>
 <p:sld xmlns:a="http://schemas.openxmlformats.org/drawingml/2006/main" xmlns:r="http://schemas.openxmlformats.org/officeDocument/2006/relationships" xmlns:p="http://schemas.openxmlformats.org/presentationml/2006/main">
   <p:cSld>
     <p:spTree>

--- a/pp/r,fpv,.pptx
+++ b/pp/r,fpv,.pptx
@@ -6,13 +6,12 @@
   </p:sldMasterIdLst>
   <p:sldIdLst>
     <p:sldId id="260" r:id="rId2"/>
-    <p:sldId id="262" r:id="rId3"/>
-    <p:sldId id="263" r:id="rId4"/>
-    <p:sldId id="256" r:id="rId5"/>
-    <p:sldId id="261" r:id="rId6"/>
-    <p:sldId id="258" r:id="rId7"/>
-    <p:sldId id="257" r:id="rId8"/>
-    <p:sldId id="259" r:id="rId9"/>
+    <p:sldId id="263" r:id="rId3"/>
+    <p:sldId id="256" r:id="rId4"/>
+    <p:sldId id="264" r:id="rId5"/>
+    <p:sldId id="258" r:id="rId6"/>
+    <p:sldId id="257" r:id="rId7"/>
+    <p:sldId id="259" r:id="rId8"/>
   </p:sldIdLst>
   <p:sldSz cx="12192000" cy="6858000"/>
   <p:notesSz cx="6858000" cy="9144000"/>
@@ -250,7 +249,7 @@
           <a:p>
             <a:fld id="{28EB3CCE-94A6-4FB5-8B3A-33727F88C99F}" type="datetimeFigureOut">
               <a:rPr lang="ko-KR" altLang="en-US" smtClean="0"/>
-              <a:t>2021-11-03</a:t>
+              <a:t>2021-11-04</a:t>
             </a:fld>
             <a:endParaRPr lang="ko-KR" altLang="en-US"/>
           </a:p>
@@ -420,7 +419,7 @@
           <a:p>
             <a:fld id="{28EB3CCE-94A6-4FB5-8B3A-33727F88C99F}" type="datetimeFigureOut">
               <a:rPr lang="ko-KR" altLang="en-US" smtClean="0"/>
-              <a:t>2021-11-03</a:t>
+              <a:t>2021-11-04</a:t>
             </a:fld>
             <a:endParaRPr lang="ko-KR" altLang="en-US"/>
           </a:p>
@@ -600,7 +599,7 @@
           <a:p>
             <a:fld id="{28EB3CCE-94A6-4FB5-8B3A-33727F88C99F}" type="datetimeFigureOut">
               <a:rPr lang="ko-KR" altLang="en-US" smtClean="0"/>
-              <a:t>2021-11-03</a:t>
+              <a:t>2021-11-04</a:t>
             </a:fld>
             <a:endParaRPr lang="ko-KR" altLang="en-US"/>
           </a:p>
@@ -770,7 +769,7 @@
           <a:p>
             <a:fld id="{28EB3CCE-94A6-4FB5-8B3A-33727F88C99F}" type="datetimeFigureOut">
               <a:rPr lang="ko-KR" altLang="en-US" smtClean="0"/>
-              <a:t>2021-11-03</a:t>
+              <a:t>2021-11-04</a:t>
             </a:fld>
             <a:endParaRPr lang="ko-KR" altLang="en-US"/>
           </a:p>
@@ -1016,7 +1015,7 @@
           <a:p>
             <a:fld id="{28EB3CCE-94A6-4FB5-8B3A-33727F88C99F}" type="datetimeFigureOut">
               <a:rPr lang="ko-KR" altLang="en-US" smtClean="0"/>
-              <a:t>2021-11-03</a:t>
+              <a:t>2021-11-04</a:t>
             </a:fld>
             <a:endParaRPr lang="ko-KR" altLang="en-US"/>
           </a:p>
@@ -1248,7 +1247,7 @@
           <a:p>
             <a:fld id="{28EB3CCE-94A6-4FB5-8B3A-33727F88C99F}" type="datetimeFigureOut">
               <a:rPr lang="ko-KR" altLang="en-US" smtClean="0"/>
-              <a:t>2021-11-03</a:t>
+              <a:t>2021-11-04</a:t>
             </a:fld>
             <a:endParaRPr lang="ko-KR" altLang="en-US"/>
           </a:p>
@@ -1615,7 +1614,7 @@
           <a:p>
             <a:fld id="{28EB3CCE-94A6-4FB5-8B3A-33727F88C99F}" type="datetimeFigureOut">
               <a:rPr lang="ko-KR" altLang="en-US" smtClean="0"/>
-              <a:t>2021-11-03</a:t>
+              <a:t>2021-11-04</a:t>
             </a:fld>
             <a:endParaRPr lang="ko-KR" altLang="en-US"/>
           </a:p>
@@ -1733,7 +1732,7 @@
           <a:p>
             <a:fld id="{28EB3CCE-94A6-4FB5-8B3A-33727F88C99F}" type="datetimeFigureOut">
               <a:rPr lang="ko-KR" altLang="en-US" smtClean="0"/>
-              <a:t>2021-11-03</a:t>
+              <a:t>2021-11-04</a:t>
             </a:fld>
             <a:endParaRPr lang="ko-KR" altLang="en-US"/>
           </a:p>
@@ -1828,7 +1827,7 @@
           <a:p>
             <a:fld id="{28EB3CCE-94A6-4FB5-8B3A-33727F88C99F}" type="datetimeFigureOut">
               <a:rPr lang="ko-KR" altLang="en-US" smtClean="0"/>
-              <a:t>2021-11-03</a:t>
+              <a:t>2021-11-04</a:t>
             </a:fld>
             <a:endParaRPr lang="ko-KR" altLang="en-US"/>
           </a:p>
@@ -2105,7 +2104,7 @@
           <a:p>
             <a:fld id="{28EB3CCE-94A6-4FB5-8B3A-33727F88C99F}" type="datetimeFigureOut">
               <a:rPr lang="ko-KR" altLang="en-US" smtClean="0"/>
-              <a:t>2021-11-03</a:t>
+              <a:t>2021-11-04</a:t>
             </a:fld>
             <a:endParaRPr lang="ko-KR" altLang="en-US"/>
           </a:p>
@@ -2358,7 +2357,7 @@
           <a:p>
             <a:fld id="{28EB3CCE-94A6-4FB5-8B3A-33727F88C99F}" type="datetimeFigureOut">
               <a:rPr lang="ko-KR" altLang="en-US" smtClean="0"/>
-              <a:t>2021-11-03</a:t>
+              <a:t>2021-11-04</a:t>
             </a:fld>
             <a:endParaRPr lang="ko-KR" altLang="en-US"/>
           </a:p>
@@ -2571,7 +2570,7 @@
           <a:p>
             <a:fld id="{28EB3CCE-94A6-4FB5-8B3A-33727F88C99F}" type="datetimeFigureOut">
               <a:rPr lang="ko-KR" altLang="en-US" smtClean="0"/>
-              <a:t>2021-11-03</a:t>
+              <a:t>2021-11-04</a:t>
             </a:fld>
             <a:endParaRPr lang="ko-KR" altLang="en-US"/>
           </a:p>
@@ -3579,81 +3578,6 @@
           <a:chExt cx="0" cy="0"/>
         </a:xfrm>
       </p:grpSpPr>
-      <p:sp>
-        <p:nvSpPr>
-          <p:cNvPr id="2" name="제목 1"/>
-          <p:cNvSpPr>
-            <a:spLocks noGrp="1"/>
-          </p:cNvSpPr>
-          <p:nvPr>
-            <p:ph type="title"/>
-          </p:nvPr>
-        </p:nvSpPr>
-        <p:spPr/>
-        <p:txBody>
-          <a:bodyPr/>
-          <a:lstStyle/>
-          <a:p>
-            <a:endParaRPr lang="ko-KR" altLang="en-US"/>
-          </a:p>
-        </p:txBody>
-      </p:sp>
-      <p:sp>
-        <p:nvSpPr>
-          <p:cNvPr id="3" name="내용 개체 틀 2"/>
-          <p:cNvSpPr>
-            <a:spLocks noGrp="1"/>
-          </p:cNvSpPr>
-          <p:nvPr>
-            <p:ph idx="1"/>
-          </p:nvPr>
-        </p:nvSpPr>
-        <p:spPr/>
-        <p:txBody>
-          <a:bodyPr/>
-          <a:lstStyle/>
-          <a:p>
-            <a:endParaRPr lang="ko-KR" altLang="en-US"/>
-          </a:p>
-        </p:txBody>
-      </p:sp>
-    </p:spTree>
-    <p:extLst>
-      <p:ext uri="{BB962C8B-B14F-4D97-AF65-F5344CB8AC3E}">
-        <p14:creationId xmlns:p14="http://schemas.microsoft.com/office/powerpoint/2010/main" val="3997833865"/>
-      </p:ext>
-    </p:extLst>
-  </p:cSld>
-  <p:clrMapOvr>
-    <a:masterClrMapping/>
-  </p:clrMapOvr>
-  <p:timing>
-    <p:tnLst>
-      <p:par>
-        <p:cTn id="1" dur="indefinite" restart="never" nodeType="tmRoot"/>
-      </p:par>
-    </p:tnLst>
-  </p:timing>
-</p:sld>
-</file>
-
-<file path=ppt/slides/slide3.xml><?xml version="1.0" encoding="utf-8"?>
-<p:sld xmlns:a="http://schemas.openxmlformats.org/drawingml/2006/main" xmlns:r="http://schemas.openxmlformats.org/officeDocument/2006/relationships" xmlns:p="http://schemas.openxmlformats.org/presentationml/2006/main">
-  <p:cSld>
-    <p:spTree>
-      <p:nvGrpSpPr>
-        <p:cNvPr id="1" name=""/>
-        <p:cNvGrpSpPr/>
-        <p:nvPr/>
-      </p:nvGrpSpPr>
-      <p:grpSpPr>
-        <a:xfrm>
-          <a:off x="0" y="0"/>
-          <a:ext cx="0" cy="0"/>
-          <a:chOff x="0" y="0"/>
-          <a:chExt cx="0" cy="0"/>
-        </a:xfrm>
-      </p:grpSpPr>
       <p:graphicFrame>
         <p:nvGraphicFramePr>
           <p:cNvPr id="4" name="표 3"/>
@@ -4488,7 +4412,7 @@
 </p:sld>
 </file>
 
-<file path=ppt/slides/slide4.xml><?xml version="1.0" encoding="utf-8"?>
+<file path=ppt/slides/slide3.xml><?xml version="1.0" encoding="utf-8"?>
 <p:sld xmlns:a="http://schemas.openxmlformats.org/drawingml/2006/main" xmlns:r="http://schemas.openxmlformats.org/officeDocument/2006/relationships" xmlns:p="http://schemas.openxmlformats.org/presentationml/2006/main">
   <p:cSld>
     <p:spTree>
@@ -5181,7 +5105,7 @@
 </p:sld>
 </file>
 
-<file path=ppt/slides/slide5.xml><?xml version="1.0" encoding="utf-8"?>
+<file path=ppt/slides/slide4.xml><?xml version="1.0" encoding="utf-8"?>
 <p:sld xmlns:a="http://schemas.openxmlformats.org/drawingml/2006/main" xmlns:r="http://schemas.openxmlformats.org/officeDocument/2006/relationships" xmlns:p="http://schemas.openxmlformats.org/presentationml/2006/main">
   <p:cSld>
     <p:spTree>
@@ -5200,46 +5124,588 @@
       </p:grpSpPr>
       <p:sp>
         <p:nvSpPr>
-          <p:cNvPr id="2" name="제목 1"/>
-          <p:cNvSpPr>
-            <a:spLocks noGrp="1"/>
-          </p:cNvSpPr>
-          <p:nvPr>
-            <p:ph type="title"/>
-          </p:nvPr>
-        </p:nvSpPr>
-        <p:spPr/>
-        <p:txBody>
-          <a:bodyPr/>
+          <p:cNvPr id="5" name="직사각형 4"/>
+          <p:cNvSpPr/>
+          <p:nvPr/>
+        </p:nvSpPr>
+        <p:spPr>
+          <a:xfrm>
+            <a:off x="542544" y="136482"/>
+            <a:ext cx="4568952" cy="2677656"/>
+          </a:xfrm>
+          <a:prstGeom prst="rect">
+            <a:avLst/>
+          </a:prstGeom>
+        </p:spPr>
+        <p:txBody>
+          <a:bodyPr wrap="square">
+            <a:spAutoFit/>
+          </a:bodyPr>
           <a:lstStyle/>
           <a:p>
+            <a:r>
+              <a:rPr lang="en-US" altLang="ko-KR" sz="1400" dirty="0" err="1">
+                <a:solidFill>
+                  <a:srgbClr val="0000FF"/>
+                </a:solidFill>
+                <a:latin typeface="Consolas" panose="020B0609020204030204" pitchFamily="49" charset="0"/>
+              </a:rPr>
+              <a:t>def</a:t>
+            </a:r>
+            <a:r>
+              <a:rPr lang="en-US" altLang="ko-KR" sz="1400" dirty="0">
+                <a:solidFill>
+                  <a:srgbClr val="000000"/>
+                </a:solidFill>
+                <a:latin typeface="Consolas" panose="020B0609020204030204" pitchFamily="49" charset="0"/>
+              </a:rPr>
+              <a:t> </a:t>
+            </a:r>
+            <a:r>
+              <a:rPr lang="en-US" altLang="ko-KR" sz="1400" dirty="0" smtClean="0">
+                <a:solidFill>
+                  <a:srgbClr val="000000"/>
+                </a:solidFill>
+                <a:latin typeface="Consolas" panose="020B0609020204030204" pitchFamily="49" charset="0"/>
+              </a:rPr>
+              <a:t>fact(n):</a:t>
+            </a:r>
+          </a:p>
+          <a:p>
+            <a:r>
+              <a:rPr lang="en-US" altLang="ko-KR" sz="1400" dirty="0">
+                <a:solidFill>
+                  <a:srgbClr val="000000"/>
+                </a:solidFill>
+                <a:latin typeface="Consolas" panose="020B0609020204030204" pitchFamily="49" charset="0"/>
+              </a:rPr>
+              <a:t> </a:t>
+            </a:r>
+            <a:r>
+              <a:rPr lang="en-US" altLang="ko-KR" sz="1400" dirty="0" smtClean="0">
+                <a:solidFill>
+                  <a:srgbClr val="000000"/>
+                </a:solidFill>
+                <a:latin typeface="Consolas" panose="020B0609020204030204" pitchFamily="49" charset="0"/>
+              </a:rPr>
+              <a:t>   if n == 0:</a:t>
+            </a:r>
+          </a:p>
+          <a:p>
+            <a:r>
+              <a:rPr lang="en-US" altLang="ko-KR" sz="1400" dirty="0" smtClean="0">
+                <a:solidFill>
+                  <a:srgbClr val="000000"/>
+                </a:solidFill>
+                <a:latin typeface="Consolas" panose="020B0609020204030204" pitchFamily="49" charset="0"/>
+              </a:rPr>
+              <a:t>	Return 1</a:t>
+            </a:r>
+          </a:p>
+          <a:p>
+            <a:r>
+              <a:rPr lang="en-US" altLang="ko-KR" sz="1400" dirty="0">
+                <a:solidFill>
+                  <a:srgbClr val="000000"/>
+                </a:solidFill>
+                <a:latin typeface="Consolas" panose="020B0609020204030204" pitchFamily="49" charset="0"/>
+              </a:rPr>
+              <a:t> </a:t>
+            </a:r>
+            <a:r>
+              <a:rPr lang="en-US" altLang="ko-KR" sz="1400" dirty="0" smtClean="0">
+                <a:solidFill>
+                  <a:srgbClr val="000000"/>
+                </a:solidFill>
+                <a:latin typeface="Consolas" panose="020B0609020204030204" pitchFamily="49" charset="0"/>
+              </a:rPr>
+              <a:t>   </a:t>
+            </a:r>
+            <a:r>
+              <a:rPr lang="en-US" altLang="ko-KR" sz="1400" dirty="0" err="1" smtClean="0">
+                <a:solidFill>
+                  <a:srgbClr val="000000"/>
+                </a:solidFill>
+                <a:latin typeface="Consolas" panose="020B0609020204030204" pitchFamily="49" charset="0"/>
+              </a:rPr>
+              <a:t>elif</a:t>
+            </a:r>
+            <a:r>
+              <a:rPr lang="en-US" altLang="ko-KR" sz="1400" dirty="0" smtClean="0">
+                <a:solidFill>
+                  <a:srgbClr val="000000"/>
+                </a:solidFill>
+                <a:latin typeface="Consolas" panose="020B0609020204030204" pitchFamily="49" charset="0"/>
+              </a:rPr>
+              <a:t> n&gt;0:</a:t>
+            </a:r>
+          </a:p>
+          <a:p>
+            <a:r>
+              <a:rPr lang="en-US" altLang="ko-KR" sz="1400" dirty="0" smtClean="0">
+                <a:solidFill>
+                  <a:srgbClr val="000000"/>
+                </a:solidFill>
+                <a:latin typeface="Consolas" panose="020B0609020204030204" pitchFamily="49" charset="0"/>
+              </a:rPr>
+              <a:t>	factorial = N*fact(N-1) </a:t>
+            </a:r>
+          </a:p>
+          <a:p>
+            <a:r>
+              <a:rPr lang="en-US" altLang="ko-KR" sz="1400" dirty="0" smtClean="0">
+                <a:solidFill>
+                  <a:srgbClr val="000000"/>
+                </a:solidFill>
+                <a:latin typeface="Consolas" panose="020B0609020204030204" pitchFamily="49" charset="0"/>
+              </a:rPr>
+              <a:t>	Return factorial</a:t>
+            </a:r>
+          </a:p>
+          <a:p>
+            <a:r>
+              <a:rPr lang="en-US" altLang="ko-KR" sz="1400" dirty="0">
+                <a:solidFill>
+                  <a:srgbClr val="000000"/>
+                </a:solidFill>
+                <a:latin typeface="Consolas" panose="020B0609020204030204" pitchFamily="49" charset="0"/>
+              </a:rPr>
+              <a:t> </a:t>
+            </a:r>
+            <a:r>
+              <a:rPr lang="en-US" altLang="ko-KR" sz="1400" dirty="0" smtClean="0">
+                <a:solidFill>
+                  <a:srgbClr val="000000"/>
+                </a:solidFill>
+                <a:latin typeface="Consolas" panose="020B0609020204030204" pitchFamily="49" charset="0"/>
+              </a:rPr>
+              <a:t>   else:</a:t>
+            </a:r>
+          </a:p>
+          <a:p>
+            <a:r>
+              <a:rPr lang="en-US" altLang="ko-KR" sz="1400" dirty="0">
+                <a:solidFill>
+                  <a:srgbClr val="000000"/>
+                </a:solidFill>
+                <a:latin typeface="Consolas" panose="020B0609020204030204" pitchFamily="49" charset="0"/>
+              </a:rPr>
+              <a:t>	</a:t>
+            </a:r>
+            <a:r>
+              <a:rPr lang="en-US" altLang="ko-KR" sz="1400" dirty="0" smtClean="0">
+                <a:solidFill>
+                  <a:srgbClr val="000000"/>
+                </a:solidFill>
+                <a:latin typeface="Consolas" panose="020B0609020204030204" pitchFamily="49" charset="0"/>
+              </a:rPr>
+              <a:t>return False </a:t>
+            </a:r>
+          </a:p>
+          <a:p>
+            <a:r>
+              <a:rPr lang="en-US" altLang="ko-KR" sz="1400" dirty="0" smtClean="0">
+                <a:solidFill>
+                  <a:srgbClr val="000000"/>
+                </a:solidFill>
+                <a:latin typeface="Consolas" panose="020B0609020204030204" pitchFamily="49" charset="0"/>
+              </a:rPr>
+              <a:t>     </a:t>
+            </a:r>
+            <a:endParaRPr lang="en-US" altLang="ko-KR" sz="1400" dirty="0">
+              <a:solidFill>
+                <a:srgbClr val="000000"/>
+              </a:solidFill>
+              <a:latin typeface="Consolas" panose="020B0609020204030204" pitchFamily="49" charset="0"/>
+            </a:endParaRPr>
+          </a:p>
+          <a:p>
+            <a:endParaRPr lang="ko-KR" altLang="en-US" sz="1400" dirty="0">
+              <a:solidFill>
+                <a:srgbClr val="000000"/>
+              </a:solidFill>
+              <a:latin typeface="Consolas" panose="020B0609020204030204" pitchFamily="49" charset="0"/>
+            </a:endParaRPr>
+          </a:p>
+          <a:p>
+            <a:r>
+              <a:rPr lang="en-US" altLang="ko-KR" sz="1400" dirty="0">
+                <a:solidFill>
+                  <a:srgbClr val="000000"/>
+                </a:solidFill>
+                <a:latin typeface="Consolas" panose="020B0609020204030204" pitchFamily="49" charset="0"/>
+              </a:rPr>
+              <a:t>N = </a:t>
+            </a:r>
+            <a:r>
+              <a:rPr lang="en-US" altLang="ko-KR" sz="1400" dirty="0" err="1">
+                <a:solidFill>
+                  <a:srgbClr val="000000"/>
+                </a:solidFill>
+                <a:latin typeface="Consolas" panose="020B0609020204030204" pitchFamily="49" charset="0"/>
+              </a:rPr>
+              <a:t>int</a:t>
+            </a:r>
+            <a:r>
+              <a:rPr lang="en-US" altLang="ko-KR" sz="1400" dirty="0">
+                <a:solidFill>
+                  <a:srgbClr val="000000"/>
+                </a:solidFill>
+                <a:latin typeface="Consolas" panose="020B0609020204030204" pitchFamily="49" charset="0"/>
+              </a:rPr>
+              <a:t>(input</a:t>
+            </a:r>
+            <a:r>
+              <a:rPr lang="en-US" altLang="ko-KR" sz="1400" dirty="0" smtClean="0">
+                <a:solidFill>
+                  <a:srgbClr val="000000"/>
+                </a:solidFill>
+                <a:latin typeface="Consolas" panose="020B0609020204030204" pitchFamily="49" charset="0"/>
+              </a:rPr>
+              <a:t>())</a:t>
+            </a:r>
+          </a:p>
+          <a:p>
+            <a:r>
+              <a:rPr lang="en-US" altLang="ko-KR" sz="1400" dirty="0" smtClean="0">
+                <a:solidFill>
+                  <a:srgbClr val="000000"/>
+                </a:solidFill>
+                <a:latin typeface="Consolas" panose="020B0609020204030204" pitchFamily="49" charset="0"/>
+              </a:rPr>
+              <a:t>fact(3)</a:t>
+            </a:r>
+          </a:p>
+        </p:txBody>
+      </p:sp>
+      <p:sp>
+        <p:nvSpPr>
+          <p:cNvPr id="6" name="직사각형 5"/>
+          <p:cNvSpPr/>
+          <p:nvPr/>
+        </p:nvSpPr>
+        <p:spPr>
+          <a:xfrm>
+            <a:off x="6556248" y="0"/>
+            <a:ext cx="2267712" cy="6858000"/>
+          </a:xfrm>
+          <a:prstGeom prst="rect">
+            <a:avLst/>
+          </a:prstGeom>
+        </p:spPr>
+        <p:style>
+          <a:lnRef idx="2">
+            <a:schemeClr val="accent1">
+              <a:shade val="50000"/>
+            </a:schemeClr>
+          </a:lnRef>
+          <a:fillRef idx="1">
+            <a:schemeClr val="accent1"/>
+          </a:fillRef>
+          <a:effectRef idx="0">
+            <a:schemeClr val="accent1"/>
+          </a:effectRef>
+          <a:fontRef idx="minor">
+            <a:schemeClr val="lt1"/>
+          </a:fontRef>
+        </p:style>
+        <p:txBody>
+          <a:bodyPr rtlCol="0" anchor="ctr"/>
+          <a:lstStyle/>
+          <a:p>
+            <a:pPr algn="ctr"/>
             <a:endParaRPr lang="ko-KR" altLang="en-US"/>
           </a:p>
         </p:txBody>
       </p:sp>
       <p:sp>
         <p:nvSpPr>
-          <p:cNvPr id="3" name="내용 개체 틀 2"/>
-          <p:cNvSpPr>
-            <a:spLocks noGrp="1"/>
-          </p:cNvSpPr>
-          <p:nvPr>
-            <p:ph idx="1"/>
-          </p:nvPr>
-        </p:nvSpPr>
-        <p:spPr/>
-        <p:txBody>
-          <a:bodyPr/>
+          <p:cNvPr id="7" name="직사각형 6"/>
+          <p:cNvSpPr/>
+          <p:nvPr/>
+        </p:nvSpPr>
+        <p:spPr>
+          <a:xfrm>
+            <a:off x="6556248" y="5687568"/>
+            <a:ext cx="2267712" cy="1170432"/>
+          </a:xfrm>
+          <a:prstGeom prst="rect">
+            <a:avLst/>
+          </a:prstGeom>
+          <a:solidFill>
+            <a:schemeClr val="accent2"/>
+          </a:solidFill>
+        </p:spPr>
+        <p:style>
+          <a:lnRef idx="2">
+            <a:schemeClr val="accent1">
+              <a:shade val="50000"/>
+            </a:schemeClr>
+          </a:lnRef>
+          <a:fillRef idx="1">
+            <a:schemeClr val="accent1"/>
+          </a:fillRef>
+          <a:effectRef idx="0">
+            <a:schemeClr val="accent1"/>
+          </a:effectRef>
+          <a:fontRef idx="minor">
+            <a:schemeClr val="lt1"/>
+          </a:fontRef>
+        </p:style>
+        <p:txBody>
+          <a:bodyPr rtlCol="0" anchor="ctr"/>
           <a:lstStyle/>
           <a:p>
-            <a:endParaRPr lang="ko-KR" altLang="en-US"/>
+            <a:pPr algn="ctr"/>
+            <a:r>
+              <a:rPr lang="en-US" altLang="ko-KR" dirty="0" smtClean="0"/>
+              <a:t>Main()</a:t>
+            </a:r>
+          </a:p>
+          <a:p>
+            <a:pPr algn="ctr"/>
+            <a:r>
+              <a:rPr lang="en-US" altLang="ko-KR" dirty="0" smtClean="0"/>
+              <a:t>N = 3</a:t>
+            </a:r>
+          </a:p>
+          <a:p>
+            <a:pPr algn="ctr"/>
+            <a:r>
+              <a:rPr lang="en-US" altLang="ko-KR" dirty="0" smtClean="0"/>
+              <a:t>Fact(3)</a:t>
+            </a:r>
+            <a:endParaRPr lang="ko-KR" altLang="en-US" dirty="0"/>
+          </a:p>
+        </p:txBody>
+      </p:sp>
+      <p:sp>
+        <p:nvSpPr>
+          <p:cNvPr id="8" name="직사각형 7"/>
+          <p:cNvSpPr/>
+          <p:nvPr/>
+        </p:nvSpPr>
+        <p:spPr>
+          <a:xfrm>
+            <a:off x="6556248" y="4084740"/>
+            <a:ext cx="2267712" cy="1170432"/>
+          </a:xfrm>
+          <a:prstGeom prst="rect">
+            <a:avLst/>
+          </a:prstGeom>
+          <a:solidFill>
+            <a:schemeClr val="accent2"/>
+          </a:solidFill>
+        </p:spPr>
+        <p:style>
+          <a:lnRef idx="2">
+            <a:schemeClr val="accent1">
+              <a:shade val="50000"/>
+            </a:schemeClr>
+          </a:lnRef>
+          <a:fillRef idx="1">
+            <a:schemeClr val="accent1"/>
+          </a:fillRef>
+          <a:effectRef idx="0">
+            <a:schemeClr val="accent1"/>
+          </a:effectRef>
+          <a:fontRef idx="minor">
+            <a:schemeClr val="lt1"/>
+          </a:fontRef>
+        </p:style>
+        <p:txBody>
+          <a:bodyPr rtlCol="0" anchor="ctr"/>
+          <a:lstStyle/>
+          <a:p>
+            <a:pPr algn="ctr"/>
+            <a:endParaRPr lang="en-US" altLang="ko-KR" dirty="0" smtClean="0"/>
+          </a:p>
+          <a:p>
+            <a:pPr algn="ctr"/>
+            <a:r>
+              <a:rPr lang="en-US" altLang="ko-KR" dirty="0" smtClean="0"/>
+              <a:t>Fact(3)</a:t>
+            </a:r>
+          </a:p>
+          <a:p>
+            <a:pPr algn="ctr"/>
+            <a:r>
+              <a:rPr lang="en-US" altLang="ko-KR" dirty="0" smtClean="0"/>
+              <a:t>N=3</a:t>
+            </a:r>
+          </a:p>
+          <a:p>
+            <a:pPr algn="ctr"/>
+            <a:r>
+              <a:rPr lang="en-US" altLang="ko-KR" dirty="0"/>
+              <a:t>3</a:t>
+            </a:r>
+            <a:r>
+              <a:rPr lang="en-US" altLang="ko-KR" dirty="0" smtClean="0"/>
+              <a:t>*fact(2)</a:t>
+            </a:r>
+            <a:endParaRPr lang="en-US" altLang="ko-KR" dirty="0"/>
+          </a:p>
+          <a:p>
+            <a:pPr algn="ctr"/>
+            <a:endParaRPr lang="en-US" altLang="ko-KR" dirty="0" smtClean="0"/>
+          </a:p>
+          <a:p>
+            <a:pPr algn="ctr"/>
+            <a:endParaRPr lang="ko-KR" altLang="en-US" dirty="0"/>
+          </a:p>
+        </p:txBody>
+      </p:sp>
+      <p:sp>
+        <p:nvSpPr>
+          <p:cNvPr id="9" name="직사각형 8"/>
+          <p:cNvSpPr/>
+          <p:nvPr/>
+        </p:nvSpPr>
+        <p:spPr>
+          <a:xfrm>
+            <a:off x="6556248" y="2698110"/>
+            <a:ext cx="2267712" cy="1170432"/>
+          </a:xfrm>
+          <a:prstGeom prst="rect">
+            <a:avLst/>
+          </a:prstGeom>
+          <a:solidFill>
+            <a:schemeClr val="accent2"/>
+          </a:solidFill>
+        </p:spPr>
+        <p:style>
+          <a:lnRef idx="2">
+            <a:schemeClr val="accent1">
+              <a:shade val="50000"/>
+            </a:schemeClr>
+          </a:lnRef>
+          <a:fillRef idx="1">
+            <a:schemeClr val="accent1"/>
+          </a:fillRef>
+          <a:effectRef idx="0">
+            <a:schemeClr val="accent1"/>
+          </a:effectRef>
+          <a:fontRef idx="minor">
+            <a:schemeClr val="lt1"/>
+          </a:fontRef>
+        </p:style>
+        <p:txBody>
+          <a:bodyPr rtlCol="0" anchor="ctr"/>
+          <a:lstStyle/>
+          <a:p>
+            <a:pPr algn="ctr"/>
+            <a:endParaRPr lang="en-US" altLang="ko-KR" dirty="0" smtClean="0"/>
+          </a:p>
+          <a:p>
+            <a:pPr algn="ctr"/>
+            <a:r>
+              <a:rPr lang="en-US" altLang="ko-KR" dirty="0" smtClean="0"/>
+              <a:t>Fact(2)</a:t>
+            </a:r>
+          </a:p>
+          <a:p>
+            <a:pPr algn="ctr"/>
+            <a:r>
+              <a:rPr lang="en-US" altLang="ko-KR" dirty="0" smtClean="0"/>
+              <a:t>N=2</a:t>
+            </a:r>
+          </a:p>
+          <a:p>
+            <a:pPr algn="ctr"/>
+            <a:r>
+              <a:rPr lang="en-US" altLang="ko-KR" dirty="0" smtClean="0"/>
+              <a:t>2*fact(1)</a:t>
+            </a:r>
+            <a:endParaRPr lang="en-US" altLang="ko-KR" dirty="0"/>
+          </a:p>
+          <a:p>
+            <a:pPr algn="ctr"/>
+            <a:endParaRPr lang="en-US" altLang="ko-KR" dirty="0" smtClean="0"/>
+          </a:p>
+          <a:p>
+            <a:pPr algn="ctr"/>
+            <a:endParaRPr lang="ko-KR" altLang="en-US" dirty="0"/>
+          </a:p>
+        </p:txBody>
+      </p:sp>
+      <p:sp>
+        <p:nvSpPr>
+          <p:cNvPr id="10" name="직사각형 9"/>
+          <p:cNvSpPr/>
+          <p:nvPr/>
+        </p:nvSpPr>
+        <p:spPr>
+          <a:xfrm>
+            <a:off x="6556248" y="1221407"/>
+            <a:ext cx="2267712" cy="1170432"/>
+          </a:xfrm>
+          <a:prstGeom prst="rect">
+            <a:avLst/>
+          </a:prstGeom>
+          <a:solidFill>
+            <a:schemeClr val="accent2"/>
+          </a:solidFill>
+        </p:spPr>
+        <p:style>
+          <a:lnRef idx="2">
+            <a:schemeClr val="accent1">
+              <a:shade val="50000"/>
+            </a:schemeClr>
+          </a:lnRef>
+          <a:fillRef idx="1">
+            <a:schemeClr val="accent1"/>
+          </a:fillRef>
+          <a:effectRef idx="0">
+            <a:schemeClr val="accent1"/>
+          </a:effectRef>
+          <a:fontRef idx="minor">
+            <a:schemeClr val="lt1"/>
+          </a:fontRef>
+        </p:style>
+        <p:txBody>
+          <a:bodyPr rtlCol="0" anchor="ctr"/>
+          <a:lstStyle/>
+          <a:p>
+            <a:pPr algn="ctr"/>
+            <a:endParaRPr lang="en-US" altLang="ko-KR" dirty="0" smtClean="0"/>
+          </a:p>
+          <a:p>
+            <a:pPr algn="ctr"/>
+            <a:r>
+              <a:rPr lang="en-US" altLang="ko-KR" dirty="0" smtClean="0"/>
+              <a:t>Fact(1)</a:t>
+            </a:r>
+          </a:p>
+          <a:p>
+            <a:pPr algn="ctr"/>
+            <a:r>
+              <a:rPr lang="en-US" altLang="ko-KR" dirty="0" smtClean="0"/>
+              <a:t>N=2</a:t>
+            </a:r>
+          </a:p>
+          <a:p>
+            <a:pPr algn="ctr"/>
+            <a:r>
+              <a:rPr lang="en-US" altLang="ko-KR" dirty="0" smtClean="0"/>
+              <a:t>2*fact(0)</a:t>
+            </a:r>
+            <a:endParaRPr lang="en-US" altLang="ko-KR" dirty="0"/>
+          </a:p>
+          <a:p>
+            <a:pPr algn="ctr"/>
+            <a:endParaRPr lang="en-US" altLang="ko-KR" dirty="0" smtClean="0"/>
+          </a:p>
+          <a:p>
+            <a:pPr algn="ctr"/>
+            <a:endParaRPr lang="ko-KR" altLang="en-US" dirty="0"/>
           </a:p>
         </p:txBody>
       </p:sp>
     </p:spTree>
     <p:extLst>
       <p:ext uri="{BB962C8B-B14F-4D97-AF65-F5344CB8AC3E}">
-        <p14:creationId xmlns:p14="http://schemas.microsoft.com/office/powerpoint/2010/main" val="319374267"/>
+        <p14:creationId xmlns:p14="http://schemas.microsoft.com/office/powerpoint/2010/main" val="1245639149"/>
       </p:ext>
     </p:extLst>
   </p:cSld>
@@ -5256,7 +5722,7 @@
 </p:sld>
 </file>
 
-<file path=ppt/slides/slide6.xml><?xml version="1.0" encoding="utf-8"?>
+<file path=ppt/slides/slide5.xml><?xml version="1.0" encoding="utf-8"?>
 <p:sld xmlns:a="http://schemas.openxmlformats.org/drawingml/2006/main" xmlns:r="http://schemas.openxmlformats.org/officeDocument/2006/relationships" xmlns:p="http://schemas.openxmlformats.org/presentationml/2006/main">
   <p:cSld>
     <p:spTree>
@@ -5999,7 +6465,7 @@
 </p:sld>
 </file>
 
-<file path=ppt/slides/slide7.xml><?xml version="1.0" encoding="utf-8"?>
+<file path=ppt/slides/slide6.xml><?xml version="1.0" encoding="utf-8"?>
 <p:sld xmlns:a="http://schemas.openxmlformats.org/drawingml/2006/main" xmlns:r="http://schemas.openxmlformats.org/officeDocument/2006/relationships" xmlns:p="http://schemas.openxmlformats.org/presentationml/2006/main">
   <p:cSld>
     <p:spTree>
@@ -6059,7 +6525,7 @@
         </p:nvSpPr>
         <p:spPr>
           <a:xfrm>
-            <a:off x="258031" y="0"/>
+            <a:off x="408319" y="33282"/>
             <a:ext cx="479834" cy="369332"/>
           </a:xfrm>
           <a:prstGeom prst="rect">
@@ -6184,7 +6650,7 @@
         </p:nvSpPr>
         <p:spPr>
           <a:xfrm>
-            <a:off x="175789" y="369332"/>
+            <a:off x="326077" y="402614"/>
             <a:ext cx="488887" cy="369332"/>
           </a:xfrm>
           <a:prstGeom prst="rect">
@@ -6220,7 +6686,7 @@
           <p:nvPr>
             <p:extLst>
               <p:ext uri="{D42A27DB-BD31-4B8C-83A1-F6EECF244321}">
-                <p14:modId xmlns:p14="http://schemas.microsoft.com/office/powerpoint/2010/main" val="2264450487"/>
+                <p14:modId xmlns:p14="http://schemas.microsoft.com/office/powerpoint/2010/main" val="3559765009"/>
               </p:ext>
             </p:extLst>
           </p:nvPr>
@@ -6286,12 +6752,8 @@
                         <a:defRPr/>
                       </a:pPr>
                       <a:r>
-                        <a:rPr lang="en-US" altLang="ko-KR" sz="1400" baseline="0" dirty="0" smtClean="0"/>
-                        <a:t>2, </a:t>
-                      </a:r>
-                      <a:r>
                         <a:rPr lang="en-US" altLang="ko-KR" sz="1400" dirty="0" smtClean="0"/>
-                        <a:t>graph[1][0]</a:t>
+                        <a:t>graph[1][0] = 2</a:t>
                       </a:r>
                       <a:endParaRPr lang="ko-KR" altLang="en-US" sz="1400" dirty="0" smtClean="0"/>
                     </a:p>
@@ -7636,22 +8098,31 @@
           </a:p>
           <a:p>
             <a:r>
-              <a:rPr lang="en-US" altLang="ko-KR" dirty="0" err="1">
-                <a:solidFill>
-                  <a:srgbClr val="000000"/>
-                </a:solidFill>
-                <a:latin typeface="Consolas" panose="020B0609020204030204" pitchFamily="49" charset="0"/>
-              </a:rPr>
-              <a:t>n,m,start</a:t>
-            </a:r>
-            <a:r>
               <a:rPr lang="en-US" altLang="ko-KR" dirty="0">
                 <a:solidFill>
                   <a:srgbClr val="000000"/>
                 </a:solidFill>
                 <a:latin typeface="Consolas" panose="020B0609020204030204" pitchFamily="49" charset="0"/>
               </a:rPr>
-              <a:t> = </a:t>
+              <a:t>n</a:t>
+            </a:r>
+            <a:r>
+              <a:rPr lang="en-US" altLang="ko-KR" dirty="0" smtClean="0">
+                <a:solidFill>
+                  <a:srgbClr val="000000"/>
+                </a:solidFill>
+                <a:latin typeface="Consolas" panose="020B0609020204030204" pitchFamily="49" charset="0"/>
+              </a:rPr>
+              <a:t>, m, start </a:t>
+            </a:r>
+            <a:r>
+              <a:rPr lang="en-US" altLang="ko-KR" dirty="0">
+                <a:solidFill>
+                  <a:srgbClr val="000000"/>
+                </a:solidFill>
+                <a:latin typeface="Consolas" panose="020B0609020204030204" pitchFamily="49" charset="0"/>
+              </a:rPr>
+              <a:t>= </a:t>
             </a:r>
             <a:r>
               <a:rPr lang="en-US" altLang="ko-KR" dirty="0">
@@ -7959,23 +8430,8 @@
               </a:rPr>
               <a:t>    graph[node1].append(node2)</a:t>
             </a:r>
-            <a:endParaRPr lang="en-US" altLang="ko-KR" dirty="0">
-              <a:solidFill>
-                <a:srgbClr val="000000"/>
-              </a:solidFill>
-              <a:latin typeface="Consolas" panose="020B0609020204030204" pitchFamily="49" charset="0"/>
-            </a:endParaRPr>
-          </a:p>
-          <a:p>
-            <a:r>
-              <a:rPr lang="en-US" altLang="ko-KR" dirty="0">
-                <a:solidFill>
-                  <a:srgbClr val="000000"/>
-                </a:solidFill>
-                <a:latin typeface="Consolas" panose="020B0609020204030204" pitchFamily="49" charset="0"/>
-              </a:rPr>
-              <a:t>    graph[node2].append(node1</a:t>
-            </a:r>
+          </a:p>
+          <a:p>
             <a:r>
               <a:rPr lang="en-US" altLang="ko-KR" dirty="0" smtClean="0">
                 <a:solidFill>
@@ -7983,7 +8439,7 @@
                 </a:solidFill>
                 <a:latin typeface="Consolas" panose="020B0609020204030204" pitchFamily="49" charset="0"/>
               </a:rPr>
-              <a:t>)</a:t>
+              <a:t>    graph[node2].append(node1)</a:t>
             </a:r>
           </a:p>
           <a:p>
@@ -8190,13 +8646,13 @@
           <p:nvPr>
             <p:extLst>
               <p:ext uri="{D42A27DB-BD31-4B8C-83A1-F6EECF244321}">
-                <p14:modId xmlns:p14="http://schemas.microsoft.com/office/powerpoint/2010/main" val="1335965571"/>
+                <p14:modId xmlns:p14="http://schemas.microsoft.com/office/powerpoint/2010/main" val="1218772396"/>
               </p:ext>
             </p:extLst>
           </p:nvPr>
         </p:nvGraphicFramePr>
         <p:xfrm>
-          <a:off x="2151611" y="3698601"/>
+          <a:off x="964250" y="3550701"/>
           <a:ext cx="3677590" cy="370840"/>
         </p:xfrm>
         <a:graphic>
@@ -8815,14 +9271,14 @@
           <p:nvPr>
             <p:extLst>
               <p:ext uri="{D42A27DB-BD31-4B8C-83A1-F6EECF244321}">
-                <p14:modId xmlns:p14="http://schemas.microsoft.com/office/powerpoint/2010/main" val="1288400264"/>
+                <p14:modId xmlns:p14="http://schemas.microsoft.com/office/powerpoint/2010/main" val="1789630489"/>
               </p:ext>
             </p:extLst>
           </p:nvPr>
         </p:nvGraphicFramePr>
         <p:xfrm>
-          <a:off x="2646474" y="1644400"/>
-          <a:ext cx="1391372" cy="370840"/>
+          <a:off x="2646473" y="1644400"/>
+          <a:ext cx="1453881" cy="370840"/>
         </p:xfrm>
         <a:graphic>
           <a:graphicData uri="http://schemas.openxmlformats.org/drawingml/2006/table">
@@ -8831,7 +9287,7 @@
                 <a:tableStyleId>{5C22544A-7EE6-4342-B048-85BDC9FD1C3A}</a:tableStyleId>
               </a:tblPr>
               <a:tblGrid>
-                <a:gridCol w="1391372">
+                <a:gridCol w="1453881">
                   <a:extLst>
                     <a:ext uri="{9D8B030D-6E8A-4147-A177-3AD203B41FA5}">
                       <a16:colId xmlns:a16="http://schemas.microsoft.com/office/drawing/2014/main" val="3905329195"/>
@@ -8848,7 +9304,7 @@
                       <a:pPr latinLnBrk="1"/>
                       <a:r>
                         <a:rPr lang="en-US" altLang="ko-KR" sz="1400" dirty="0" smtClean="0"/>
-                        <a:t>3, graph[1][1]</a:t>
+                        <a:t>graph[1][1] =3</a:t>
                       </a:r>
                       <a:endParaRPr lang="ko-KR" altLang="en-US" sz="1400" dirty="0"/>
                     </a:p>
@@ -8874,13 +9330,13 @@
           <p:nvPr>
             <p:extLst>
               <p:ext uri="{D42A27DB-BD31-4B8C-83A1-F6EECF244321}">
-                <p14:modId xmlns:p14="http://schemas.microsoft.com/office/powerpoint/2010/main" val="512159358"/>
+                <p14:modId xmlns:p14="http://schemas.microsoft.com/office/powerpoint/2010/main" val="4042343690"/>
               </p:ext>
             </p:extLst>
           </p:nvPr>
         </p:nvGraphicFramePr>
         <p:xfrm>
-          <a:off x="4085221" y="1644400"/>
+          <a:off x="4201510" y="1644400"/>
           <a:ext cx="1301025" cy="370840"/>
         </p:xfrm>
         <a:graphic>
@@ -8992,13 +9448,13 @@
           <p:nvPr>
             <p:extLst>
               <p:ext uri="{D42A27DB-BD31-4B8C-83A1-F6EECF244321}">
-                <p14:modId xmlns:p14="http://schemas.microsoft.com/office/powerpoint/2010/main" val="1588175993"/>
+                <p14:modId xmlns:p14="http://schemas.microsoft.com/office/powerpoint/2010/main" val="833430458"/>
               </p:ext>
             </p:extLst>
           </p:nvPr>
         </p:nvGraphicFramePr>
         <p:xfrm>
-          <a:off x="2691647" y="2729041"/>
+          <a:off x="2665243" y="2729041"/>
           <a:ext cx="1301025" cy="370840"/>
         </p:xfrm>
         <a:graphic>
@@ -9051,13 +9507,13 @@
           <p:nvPr>
             <p:extLst>
               <p:ext uri="{D42A27DB-BD31-4B8C-83A1-F6EECF244321}">
-                <p14:modId xmlns:p14="http://schemas.microsoft.com/office/powerpoint/2010/main" val="1010796470"/>
+                <p14:modId xmlns:p14="http://schemas.microsoft.com/office/powerpoint/2010/main" val="3103220015"/>
               </p:ext>
             </p:extLst>
           </p:nvPr>
         </p:nvGraphicFramePr>
         <p:xfrm>
-          <a:off x="2689381" y="2377078"/>
+          <a:off x="2656236" y="2377078"/>
           <a:ext cx="1301025" cy="370840"/>
         </p:xfrm>
         <a:graphic>
@@ -9110,13 +9566,13 @@
           <p:nvPr>
             <p:extLst>
               <p:ext uri="{D42A27DB-BD31-4B8C-83A1-F6EECF244321}">
-                <p14:modId xmlns:p14="http://schemas.microsoft.com/office/powerpoint/2010/main" val="949898717"/>
+                <p14:modId xmlns:p14="http://schemas.microsoft.com/office/powerpoint/2010/main" val="1964616541"/>
               </p:ext>
             </p:extLst>
           </p:nvPr>
         </p:nvGraphicFramePr>
         <p:xfrm>
-          <a:off x="4133583" y="2723390"/>
+          <a:off x="4100355" y="2745379"/>
           <a:ext cx="1391372" cy="370840"/>
         </p:xfrm>
         <a:graphic>
@@ -10003,7 +10459,7 @@
         </p:nvSpPr>
         <p:spPr>
           <a:xfrm>
-            <a:off x="3421578" y="-1696218"/>
+            <a:off x="3560971" y="-1837521"/>
             <a:ext cx="6096000" cy="1754326"/>
           </a:xfrm>
           <a:prstGeom prst="rect">
@@ -10034,28 +10490,6 @@
                 </a:solidFill>
                 <a:latin typeface="Consolas" panose="020B0609020204030204" pitchFamily="49" charset="0"/>
               </a:rPr>
-              <a:t>1 4</a:t>
-            </a:r>
-          </a:p>
-          <a:p>
-            <a:r>
-              <a:rPr lang="en-US" altLang="ko-KR" dirty="0">
-                <a:solidFill>
-                  <a:srgbClr val="000000"/>
-                </a:solidFill>
-                <a:latin typeface="Consolas" panose="020B0609020204030204" pitchFamily="49" charset="0"/>
-              </a:rPr>
-              <a:t>1 3</a:t>
-            </a:r>
-          </a:p>
-          <a:p>
-            <a:r>
-              <a:rPr lang="en-US" altLang="ko-KR" dirty="0">
-                <a:solidFill>
-                  <a:srgbClr val="000000"/>
-                </a:solidFill>
-                <a:latin typeface="Consolas" panose="020B0609020204030204" pitchFamily="49" charset="0"/>
-              </a:rPr>
               <a:t>1 </a:t>
             </a:r>
             <a:r>
@@ -10073,6 +10507,28 @@
               </a:solidFill>
               <a:latin typeface="Consolas" panose="020B0609020204030204" pitchFamily="49" charset="0"/>
             </a:endParaRPr>
+          </a:p>
+          <a:p>
+            <a:r>
+              <a:rPr lang="en-US" altLang="ko-KR" dirty="0">
+                <a:solidFill>
+                  <a:srgbClr val="000000"/>
+                </a:solidFill>
+                <a:latin typeface="Consolas" panose="020B0609020204030204" pitchFamily="49" charset="0"/>
+              </a:rPr>
+              <a:t>1 3</a:t>
+            </a:r>
+          </a:p>
+          <a:p>
+            <a:r>
+              <a:rPr lang="en-US" altLang="ko-KR" dirty="0">
+                <a:solidFill>
+                  <a:srgbClr val="000000"/>
+                </a:solidFill>
+                <a:latin typeface="Consolas" panose="020B0609020204030204" pitchFamily="49" charset="0"/>
+              </a:rPr>
+              <a:t>1 4</a:t>
+            </a:r>
           </a:p>
           <a:p>
             <a:r>
@@ -10321,7 +10777,7 @@
 </p:sld>
 </file>
 
-<file path=ppt/slides/slide8.xml><?xml version="1.0" encoding="utf-8"?>
+<file path=ppt/slides/slide7.xml><?xml version="1.0" encoding="utf-8"?>
 <p:sld xmlns:a="http://schemas.openxmlformats.org/drawingml/2006/main" xmlns:r="http://schemas.openxmlformats.org/officeDocument/2006/relationships" xmlns:p="http://schemas.openxmlformats.org/presentationml/2006/main">
   <p:cSld>
     <p:spTree>
